--- a/usrguide/TITAN_change_log_7.1.pl0.pptx
+++ b/usrguide/TITAN_change_log_7.1.pl0.pptx
@@ -1161,7 +1161,7 @@
               </a:rPr>
               <a:t>  |  EKRISZA Kristóf Szabados  |  PA1  |  2020-05-26  |  Open  |  Page </a:t>
             </a:r>
-            <a:fld id="{EAF2B4A8-355A-4092-A232-3D8868BE77C8}" type="slidenum">
+            <a:fld id="{82092CD9-DB7D-48E9-AA9F-EDE8FD2BA8FC}" type="slidenum">
               <a:rPr lang="en-US" sz="800" b="0" i="0" u="none" smtClean="0">
                 <a:solidFill>
                   <a:srgbClr val="1A1816"/>
@@ -1177,7 +1177,7 @@
                 </a:solidFill>
                 <a:latin typeface="+mn-lt"/>
               </a:rPr>
-              <a:t> of 61</a:t>
+              <a:t> of 60</a:t>
             </a:r>
             <a:endParaRPr lang="en-US" sz="800" b="0" i="0" u="none" dirty="0">
               <a:solidFill>
@@ -1654,7 +1654,7 @@
               </a:rPr>
               <a:t>  |  EKRISZA Kristóf Szabados  |  PA1  |  2020-05-26  |  Open  |  Page </a:t>
             </a:r>
-            <a:fld id="{F9A93DEE-00BF-44DB-A5E8-2CC1E3A56056}" type="slidenum">
+            <a:fld id="{56A7F725-C751-43FA-932B-3310809DB7A7}" type="slidenum">
               <a:rPr lang="en-US" sz="800" b="0" i="0" u="none" smtClean="0">
                 <a:solidFill>
                   <a:schemeClr val="bg1"/>
@@ -1670,7 +1670,7 @@
                 </a:solidFill>
                 <a:latin typeface="+mn-lt"/>
               </a:rPr>
-              <a:t> of 61</a:t>
+              <a:t> of 60</a:t>
             </a:r>
             <a:endParaRPr lang="en-US" sz="800" b="0" i="0" u="none" dirty="0">
               <a:solidFill>
@@ -1955,7 +1955,7 @@
               </a:rPr>
               <a:t>  |  EKRISZA Kristóf Szabados  |  PA1  |  2020-05-26  |  Open  |  Page </a:t>
             </a:r>
-            <a:fld id="{F83342EF-CA92-412B-8306-ABFD3F8C1B7E}" type="slidenum">
+            <a:fld id="{C4244EAD-E65F-4342-86A6-D4184F9F0B0A}" type="slidenum">
               <a:rPr lang="en-US" sz="800" b="0" i="0" u="none" smtClean="0">
                 <a:solidFill>
                   <a:srgbClr val="1A1816"/>
@@ -1971,7 +1971,7 @@
                 </a:solidFill>
                 <a:latin typeface="+mn-lt"/>
               </a:rPr>
-              <a:t> of 61</a:t>
+              <a:t> of 60</a:t>
             </a:r>
             <a:endParaRPr lang="en-US" sz="800" b="0" i="0" u="none" dirty="0">
               <a:solidFill>
@@ -2182,7 +2182,7 @@
               </a:rPr>
               <a:t>  |  EKRISZA Kristóf Szabados  |  PA1  |  2020-05-26  |  Open  |  Page </a:t>
             </a:r>
-            <a:fld id="{EB3F0960-EC9C-4B26-A7E0-F8D6F932762C}" type="slidenum">
+            <a:fld id="{BF83D68D-51B3-4F8D-A768-9A979EBE7709}" type="slidenum">
               <a:rPr lang="en-US" sz="800" b="0" i="0" u="none" smtClean="0">
                 <a:solidFill>
                   <a:srgbClr val="1A1816"/>
@@ -2198,7 +2198,7 @@
                 </a:solidFill>
                 <a:latin typeface="+mn-lt"/>
               </a:rPr>
-              <a:t> of 61</a:t>
+              <a:t> of 60</a:t>
             </a:r>
             <a:endParaRPr lang="en-US" sz="800" b="0" i="0" u="none" dirty="0">
               <a:solidFill>
@@ -2351,7 +2351,7 @@
               </a:rPr>
               <a:t>  |  EKRISZA Kristóf Szabados  |  PA1  |  2020-05-26  |  Open  |  Page </a:t>
             </a:r>
-            <a:fld id="{49A76B3F-5257-482B-B827-302BFD711025}" type="slidenum">
+            <a:fld id="{548CF2B4-ACE7-4481-A76E-82CD4E953942}" type="slidenum">
               <a:rPr lang="en-US" sz="800" b="0" i="0" u="none" smtClean="0">
                 <a:solidFill>
                   <a:srgbClr val="1A1816"/>
@@ -2367,7 +2367,7 @@
                 </a:solidFill>
                 <a:latin typeface="+mn-lt"/>
               </a:rPr>
-              <a:t> of 61</a:t>
+              <a:t> of 60</a:t>
             </a:r>
             <a:endParaRPr lang="en-US" sz="800" b="0" i="0" u="none" dirty="0">
               <a:solidFill>
@@ -2567,7 +2567,7 @@
               </a:rPr>
               <a:t>  |  EKRISZA Kristóf Szabados  |  PA1  |  2020-05-26  |  Open  |  Page </a:t>
             </a:r>
-            <a:fld id="{C7752E7F-F634-40CA-85BC-211C21F79AD3}" type="slidenum">
+            <a:fld id="{C72325A4-D075-4690-BEA1-426A65BBB7D2}" type="slidenum">
               <a:rPr lang="en-US" sz="800" b="0" i="0" u="none" smtClean="0">
                 <a:solidFill>
                   <a:srgbClr val="1A1816"/>
@@ -2583,7 +2583,7 @@
                 </a:solidFill>
                 <a:latin typeface="+mn-lt"/>
               </a:rPr>
-              <a:t> of 61</a:t>
+              <a:t> of 60</a:t>
             </a:r>
             <a:endParaRPr lang="en-US" sz="800" b="0" i="0" u="none" dirty="0">
               <a:solidFill>
@@ -2875,7 +2875,7 @@
               </a:rPr>
               <a:t>  |  EKRISZA Kristóf Szabados  |  PA1  |  2020-05-26  |  Open  |  Page </a:t>
             </a:r>
-            <a:fld id="{A2C985A0-562B-4144-B3C7-AB554A593DD4}" type="slidenum">
+            <a:fld id="{D1E37637-9262-43DB-8442-79B468334888}" type="slidenum">
               <a:rPr lang="en-US" sz="800" b="0" i="0" u="none" smtClean="0">
                 <a:solidFill>
                   <a:schemeClr val="bg1"/>
@@ -2891,7 +2891,7 @@
                 </a:solidFill>
                 <a:latin typeface="+mn-lt"/>
               </a:rPr>
-              <a:t> of 61</a:t>
+              <a:t> of 60</a:t>
             </a:r>
             <a:endParaRPr lang="en-US" sz="800" b="0" i="0" u="none" dirty="0">
               <a:solidFill>
@@ -3183,7 +3183,7 @@
               </a:rPr>
               <a:t>  |  EKRISZA Kristóf Szabados  |  PA1  |  2020-05-26  |  Open  |  Page </a:t>
             </a:r>
-            <a:fld id="{2B1D3849-BF5D-4D7D-B8B0-DAAF0FD16D01}" type="slidenum">
+            <a:fld id="{70553395-5EF0-422C-AFF9-CC6B1A497E5F}" type="slidenum">
               <a:rPr lang="en-US" sz="800" b="0" i="0" u="none" smtClean="0">
                 <a:solidFill>
                   <a:schemeClr val="bg1"/>
@@ -3199,7 +3199,7 @@
                 </a:solidFill>
                 <a:latin typeface="+mn-lt"/>
               </a:rPr>
-              <a:t> of 61</a:t>
+              <a:t> of 60</a:t>
             </a:r>
             <a:endParaRPr lang="en-US" sz="800" b="0" i="0" u="none" dirty="0">
               <a:solidFill>
@@ -3491,7 +3491,7 @@
               </a:rPr>
               <a:t>  |  EKRISZA Kristóf Szabados  |  PA1  |  2020-05-26  |  Open  |  Page </a:t>
             </a:r>
-            <a:fld id="{CB037741-409E-4969-879A-9570193C027C}" type="slidenum">
+            <a:fld id="{B2F5FF80-F12F-4C5E-BE88-291835A1C8F4}" type="slidenum">
               <a:rPr lang="en-US" sz="800" b="0" i="0" u="none" smtClean="0">
                 <a:solidFill>
                   <a:schemeClr val="bg1"/>
@@ -3507,7 +3507,7 @@
                 </a:solidFill>
                 <a:latin typeface="+mn-lt"/>
               </a:rPr>
-              <a:t> of 61</a:t>
+              <a:t> of 60</a:t>
             </a:r>
             <a:endParaRPr lang="en-US" sz="800" b="0" i="0" u="none" dirty="0">
               <a:solidFill>
@@ -3799,7 +3799,7 @@
               </a:rPr>
               <a:t>  |  EKRISZA Kristóf Szabados  |  PA1  |  2020-05-26  |  Open  |  Page </a:t>
             </a:r>
-            <a:fld id="{007C8608-6EC1-4ABC-807F-4BF13D41D44C}" type="slidenum">
+            <a:fld id="{8CDD3FFA-3895-4708-8EFE-D3C2547E4A06}" type="slidenum">
               <a:rPr lang="en-US" sz="800" b="0" i="0" u="none" smtClean="0">
                 <a:solidFill>
                   <a:schemeClr val="bg1"/>
@@ -3815,7 +3815,7 @@
                 </a:solidFill>
                 <a:latin typeface="+mn-lt"/>
               </a:rPr>
-              <a:t> of 61</a:t>
+              <a:t> of 60</a:t>
             </a:r>
             <a:endParaRPr lang="en-US" sz="800" b="0" i="0" u="none" dirty="0">
               <a:solidFill>
@@ -4107,7 +4107,7 @@
               </a:rPr>
               <a:t>  |  EKRISZA Kristóf Szabados  |  PA1  |  2020-05-26  |  Open  |  Page </a:t>
             </a:r>
-            <a:fld id="{D1C606A2-FDBC-46D4-9A1D-2F20FA2DA123}" type="slidenum">
+            <a:fld id="{5A10DDFD-7D61-430C-9A8C-FEB467237BEF}" type="slidenum">
               <a:rPr lang="en-US" sz="800" b="0" i="0" u="none" smtClean="0">
                 <a:solidFill>
                   <a:schemeClr val="bg1"/>
@@ -4123,7 +4123,7 @@
                 </a:solidFill>
                 <a:latin typeface="+mn-lt"/>
               </a:rPr>
-              <a:t> of 61</a:t>
+              <a:t> of 60</a:t>
             </a:r>
             <a:endParaRPr lang="en-US" sz="800" b="0" i="0" u="none" dirty="0">
               <a:solidFill>
@@ -4627,7 +4627,7 @@
               </a:rPr>
               <a:t>  |  EKRISZA Kristóf Szabados  |  PA1  |  2020-05-26  |  Open  |  Page </a:t>
             </a:r>
-            <a:fld id="{4A0F0757-0FD7-496C-892E-D163665F81BC}" type="slidenum">
+            <a:fld id="{C8D839B2-FB6F-4EE8-8679-1C407719CE31}" type="slidenum">
               <a:rPr lang="en-US" sz="800" b="0" i="0" u="none" smtClean="0">
                 <a:solidFill>
                   <a:schemeClr val="bg1"/>
@@ -4643,7 +4643,7 @@
                 </a:solidFill>
                 <a:latin typeface="+mn-lt"/>
               </a:rPr>
-              <a:t> of 61</a:t>
+              <a:t> of 60</a:t>
             </a:r>
             <a:endParaRPr lang="en-US" sz="800" b="0" i="0" u="none" dirty="0">
               <a:solidFill>
@@ -4941,7 +4941,7 @@
               </a:rPr>
               <a:t>  |  EKRISZA Kristóf Szabados  |  PA1  |  2020-05-26  |  Open  |  Page </a:t>
             </a:r>
-            <a:fld id="{A915CB14-5409-4F82-9880-3AD5B24230CD}" type="slidenum">
+            <a:fld id="{0A319084-384D-4A86-A5E9-95E6E00EACF4}" type="slidenum">
               <a:rPr lang="en-US" sz="800" b="0" i="0" u="none" smtClean="0">
                 <a:solidFill>
                   <a:schemeClr val="bg1"/>
@@ -4957,7 +4957,7 @@
                 </a:solidFill>
                 <a:latin typeface="+mn-lt"/>
               </a:rPr>
-              <a:t> of 61</a:t>
+              <a:t> of 60</a:t>
             </a:r>
             <a:endParaRPr lang="en-US" sz="800" b="0" i="0" u="none" dirty="0">
               <a:solidFill>
@@ -5249,7 +5249,7 @@
               </a:rPr>
               <a:t>  |  EKRISZA Kristóf Szabados  |  PA1  |  2020-05-26  |  Open  |  Page </a:t>
             </a:r>
-            <a:fld id="{E0C1D3D4-71A0-4FAA-86C8-366092764336}" type="slidenum">
+            <a:fld id="{888AEF60-0F31-4A28-B414-FAC13F72C413}" type="slidenum">
               <a:rPr lang="en-US" sz="800" b="0" i="0" u="none" smtClean="0">
                 <a:solidFill>
                   <a:schemeClr val="bg1"/>
@@ -5265,7 +5265,7 @@
                 </a:solidFill>
                 <a:latin typeface="+mn-lt"/>
               </a:rPr>
-              <a:t> of 61</a:t>
+              <a:t> of 60</a:t>
             </a:r>
             <a:endParaRPr lang="en-US" sz="800" b="0" i="0" u="none" dirty="0">
               <a:solidFill>
@@ -5551,7 +5551,7 @@
               </a:rPr>
               <a:t>  |  EKRISZA Kristóf Szabados  |  PA1  |  2020-05-26  |  Open  |  Page </a:t>
             </a:r>
-            <a:fld id="{C552C5A6-65BB-4272-9097-0222F399D0A4}" type="slidenum">
+            <a:fld id="{596FF1BF-ABF5-413C-968C-F0B570A28251}" type="slidenum">
               <a:rPr lang="en-US" sz="800" b="0" i="0" u="none" smtClean="0">
                 <a:solidFill>
                   <a:srgbClr val="1A1816"/>
@@ -5567,7 +5567,7 @@
                 </a:solidFill>
                 <a:latin typeface="+mn-lt"/>
               </a:rPr>
-              <a:t> of 61</a:t>
+              <a:t> of 60</a:t>
             </a:r>
             <a:endParaRPr lang="en-US" sz="800" b="0" i="0" u="none" dirty="0">
               <a:solidFill>
@@ -5852,7 +5852,7 @@
               </a:rPr>
               <a:t>  |  EKRISZA Kristóf Szabados  |  PA1  |  2020-05-26  |  Open  |  Page </a:t>
             </a:r>
-            <a:fld id="{FDF84A07-2B7F-4BAE-97DF-827A21EA7FA4}" type="slidenum">
+            <a:fld id="{17E590D5-43CB-4E11-A627-5347FE1D6C10}" type="slidenum">
               <a:rPr lang="en-US" sz="800" b="0" i="0" u="none" smtClean="0">
                 <a:solidFill>
                   <a:srgbClr val="1A1816"/>
@@ -5868,7 +5868,7 @@
                 </a:solidFill>
                 <a:latin typeface="+mn-lt"/>
               </a:rPr>
-              <a:t> of 61</a:t>
+              <a:t> of 60</a:t>
             </a:r>
             <a:endParaRPr lang="en-US" sz="800" b="0" i="0" u="none" dirty="0">
               <a:solidFill>
@@ -6159,7 +6159,7 @@
               </a:rPr>
               <a:t>  |  EKRISZA Kristóf Szabados  |  PA1  |  2020-05-26  |  Open  |  Page </a:t>
             </a:r>
-            <a:fld id="{E810D5F8-0850-4DB3-B1A8-94F8AB345EA4}" type="slidenum">
+            <a:fld id="{20B13C90-A656-4670-BE1D-74C6F611E3FE}" type="slidenum">
               <a:rPr lang="en-US" sz="800" b="0" i="0" u="none" smtClean="0">
                 <a:solidFill>
                   <a:srgbClr val="1A1816"/>
@@ -6175,7 +6175,7 @@
                 </a:solidFill>
                 <a:latin typeface="+mn-lt"/>
               </a:rPr>
-              <a:t> of 61</a:t>
+              <a:t> of 60</a:t>
             </a:r>
             <a:endParaRPr lang="en-US" sz="800" b="0" i="0" u="none" dirty="0">
               <a:solidFill>
@@ -6461,7 +6461,7 @@
               </a:rPr>
               <a:t>  |  EKRISZA Kristóf Szabados  |  PA1  |  2020-05-26  |  Open  |  Page </a:t>
             </a:r>
-            <a:fld id="{4F50F49B-913D-4C9A-9884-F2873B6FB09A}" type="slidenum">
+            <a:fld id="{F956B58C-09C4-40C0-85C1-DC5C2F5E455F}" type="slidenum">
               <a:rPr lang="en-US" sz="800" b="0" i="0" u="none" smtClean="0">
                 <a:solidFill>
                   <a:srgbClr val="1A1816"/>
@@ -6477,7 +6477,7 @@
                 </a:solidFill>
                 <a:latin typeface="+mn-lt"/>
               </a:rPr>
-              <a:t> of 61</a:t>
+              <a:t> of 60</a:t>
             </a:r>
             <a:endParaRPr lang="en-US" sz="800" b="0" i="0" u="none" dirty="0">
               <a:solidFill>
@@ -6799,7 +6799,7 @@
               </a:rPr>
               <a:t>  |  EKRISZA Kristóf Szabados  |  PA1  |  2020-05-26  |  Open  |  Page </a:t>
             </a:r>
-            <a:fld id="{9EA2C18D-4EFE-41DC-8524-7DFB206C365B}" type="slidenum">
+            <a:fld id="{8D7796C3-D072-4AE4-9E77-9C6CD9D919EF}" type="slidenum">
               <a:rPr lang="en-US" sz="800" b="0" i="0" u="none" smtClean="0">
                 <a:solidFill>
                   <a:srgbClr val="1A1816"/>
@@ -6815,7 +6815,7 @@
                 </a:solidFill>
                 <a:latin typeface="+mn-lt"/>
               </a:rPr>
-              <a:t> of 61</a:t>
+              <a:t> of 60</a:t>
             </a:r>
             <a:endParaRPr lang="en-US" sz="800" b="0" i="0" u="none" dirty="0">
               <a:solidFill>
@@ -7101,7 +7101,7 @@
               </a:rPr>
               <a:t>  |  EKRISZA Kristóf Szabados  |  PA1  |  2020-05-26  |  Open  |  Page </a:t>
             </a:r>
-            <a:fld id="{F445A179-9687-4FF6-BC3F-6B80B7296444}" type="slidenum">
+            <a:fld id="{6687F0C9-69CD-47AC-9A2A-2776A8242253}" type="slidenum">
               <a:rPr lang="en-US" sz="800" b="0" i="0" u="none" smtClean="0">
                 <a:solidFill>
                   <a:srgbClr val="1A1816"/>
@@ -7117,7 +7117,7 @@
                 </a:solidFill>
                 <a:latin typeface="+mn-lt"/>
               </a:rPr>
-              <a:t> of 61</a:t>
+              <a:t> of 60</a:t>
             </a:r>
             <a:endParaRPr lang="en-US" sz="800" b="0" i="0" u="none" dirty="0">
               <a:solidFill>
@@ -7439,7 +7439,7 @@
               </a:rPr>
               <a:t>  |  EKRISZA Kristóf Szabados  |  PA1  |  2020-05-26  |  Open  |  Page </a:t>
             </a:r>
-            <a:fld id="{2479D98B-8E18-46D3-8AEC-105939E9046C}" type="slidenum">
+            <a:fld id="{AD310FF2-A242-43A4-AB6A-674DB59B26AA}" type="slidenum">
               <a:rPr lang="en-US" sz="800" b="0" i="0" u="none" smtClean="0">
                 <a:solidFill>
                   <a:srgbClr val="1A1816"/>
@@ -7455,7 +7455,7 @@
                 </a:solidFill>
                 <a:latin typeface="+mn-lt"/>
               </a:rPr>
-              <a:t> of 61</a:t>
+              <a:t> of 60</a:t>
             </a:r>
             <a:endParaRPr lang="en-US" sz="800" b="0" i="0" u="none" dirty="0">
               <a:solidFill>
@@ -7821,7 +7821,7 @@
               </a:rPr>
               <a:t>  |  EKRISZA Kristóf Szabados  |  PA1  |  2020-05-26  |  Open  |  Page </a:t>
             </a:r>
-            <a:fld id="{A3E2DB94-C960-455A-8D0F-A05584F704D7}" type="slidenum">
+            <a:fld id="{3DF1DFE8-BAD8-4FB5-AE68-303C1AF33D2A}" type="slidenum">
               <a:rPr lang="en-US" sz="800" b="0" i="0" u="none" smtClean="0">
                 <a:solidFill>
                   <a:srgbClr val="1A1816"/>
@@ -7837,7 +7837,7 @@
                 </a:solidFill>
                 <a:latin typeface="+mn-lt"/>
               </a:rPr>
-              <a:t> of 61</a:t>
+              <a:t> of 60</a:t>
             </a:r>
             <a:endParaRPr lang="en-US" sz="800" b="0" i="0" u="none" dirty="0">
               <a:solidFill>
@@ -8163,7 +8163,7 @@
               </a:rPr>
               <a:t>  |  EKRISZA Kristóf Szabados  |  PA1  |  2020-05-26  |  Open  |  Page </a:t>
             </a:r>
-            <a:fld id="{C851A4AD-D1D0-4918-8DB2-FD58DBCE6F59}" type="slidenum">
+            <a:fld id="{89362BE2-B5E5-456D-B6CB-8D67C3743892}" type="slidenum">
               <a:rPr lang="en-US" sz="800" b="0" i="0" u="none" smtClean="0">
                 <a:solidFill>
                   <a:srgbClr val="1A1816"/>
@@ -8179,7 +8179,7 @@
                 </a:solidFill>
                 <a:latin typeface="+mn-lt"/>
               </a:rPr>
-              <a:t> of 61</a:t>
+              <a:t> of 60</a:t>
             </a:r>
             <a:endParaRPr lang="en-US" sz="800" b="0" i="0" u="none" dirty="0">
               <a:solidFill>
@@ -8530,7 +8530,7 @@
               </a:rPr>
               <a:t>  |  EKRISZA Kristóf Szabados  |  PA1  |  2020-05-26  |  Open  |  Page </a:t>
             </a:r>
-            <a:fld id="{3E70EAD6-2C44-45B0-A3C8-5434A521E7C7}" type="slidenum">
+            <a:fld id="{FB247CB6-38D6-4F2C-B367-1885604CD6ED}" type="slidenum">
               <a:rPr lang="en-US" sz="800" b="0" i="0" u="none" smtClean="0">
                 <a:solidFill>
                   <a:srgbClr val="1A1816"/>
@@ -8546,7 +8546,7 @@
                 </a:solidFill>
                 <a:latin typeface="+mn-lt"/>
               </a:rPr>
-              <a:t> of 61</a:t>
+              <a:t> of 60</a:t>
             </a:r>
             <a:endParaRPr lang="en-US" sz="800" b="0" i="0" u="none" dirty="0">
               <a:solidFill>
@@ -8912,7 +8912,7 @@
               </a:rPr>
               <a:t>  |  EKRISZA Kristóf Szabados  |  PA1  |  2020-05-26  |  Open  |  Page </a:t>
             </a:r>
-            <a:fld id="{C69F79DC-7625-4F40-A964-DFF4475C1A8B}" type="slidenum">
+            <a:fld id="{A3E5D107-F508-453B-9B4D-5792CAAC53AC}" type="slidenum">
               <a:rPr lang="en-US" sz="800" b="0" i="0" u="none" smtClean="0">
                 <a:solidFill>
                   <a:srgbClr val="1A1816"/>
@@ -8928,7 +8928,7 @@
                 </a:solidFill>
                 <a:latin typeface="+mn-lt"/>
               </a:rPr>
-              <a:t> of 61</a:t>
+              <a:t> of 60</a:t>
             </a:r>
             <a:endParaRPr lang="en-US" sz="800" b="0" i="0" u="none" dirty="0">
               <a:solidFill>
@@ -9294,7 +9294,7 @@
               </a:rPr>
               <a:t>  |  EKRISZA Kristóf Szabados  |  PA1  |  2020-05-26  |  Open  |  Page </a:t>
             </a:r>
-            <a:fld id="{943870A7-5875-4216-A100-051E4FD560A4}" type="slidenum">
+            <a:fld id="{386B7D58-8971-45DB-BC7A-E083689A103F}" type="slidenum">
               <a:rPr lang="en-US" sz="800" b="0" i="0" u="none" smtClean="0">
                 <a:solidFill>
                   <a:srgbClr val="1A1816"/>
@@ -9310,7 +9310,7 @@
                 </a:solidFill>
                 <a:latin typeface="+mn-lt"/>
               </a:rPr>
-              <a:t> of 61</a:t>
+              <a:t> of 60</a:t>
             </a:r>
             <a:endParaRPr lang="en-US" sz="800" b="0" i="0" u="none" dirty="0">
               <a:solidFill>
@@ -9676,7 +9676,7 @@
               </a:rPr>
               <a:t>  |  EKRISZA Kristóf Szabados  |  PA1  |  2020-05-26  |  Open  |  Page </a:t>
             </a:r>
-            <a:fld id="{999EEBBB-817C-4BDD-BEFE-5A0AED593B13}" type="slidenum">
+            <a:fld id="{A88BB02C-8755-4F21-BD1F-88AFD8F37F8F}" type="slidenum">
               <a:rPr lang="en-US" sz="800" b="0" i="0" u="none" smtClean="0">
                 <a:solidFill>
                   <a:srgbClr val="1A1816"/>
@@ -9692,7 +9692,7 @@
                 </a:solidFill>
                 <a:latin typeface="+mn-lt"/>
               </a:rPr>
-              <a:t> of 61</a:t>
+              <a:t> of 60</a:t>
             </a:r>
             <a:endParaRPr lang="en-US" sz="800" b="0" i="0" u="none" dirty="0">
               <a:solidFill>
@@ -10058,7 +10058,7 @@
               </a:rPr>
               <a:t>  |  EKRISZA Kristóf Szabados  |  PA1  |  2020-05-26  |  Open  |  Page </a:t>
             </a:r>
-            <a:fld id="{FFEE73E0-217A-4B72-B276-3A537C151F43}" type="slidenum">
+            <a:fld id="{3F1660CC-DC35-4127-AFDB-BB4486B9A5E4}" type="slidenum">
               <a:rPr lang="en-US" sz="800" b="0" i="0" u="none" smtClean="0">
                 <a:solidFill>
                   <a:srgbClr val="1A1816"/>
@@ -10074,7 +10074,7 @@
                 </a:solidFill>
                 <a:latin typeface="+mn-lt"/>
               </a:rPr>
-              <a:t> of 61</a:t>
+              <a:t> of 60</a:t>
             </a:r>
             <a:endParaRPr lang="en-US" sz="800" b="0" i="0" u="none" dirty="0">
               <a:solidFill>
@@ -10502,7 +10502,7 @@
               </a:rPr>
               <a:t>  |  EKRISZA Kristóf Szabados  |  PA1  |  2020-05-26  |  Open  |  Page </a:t>
             </a:r>
-            <a:fld id="{73E0B9B7-BCA2-4EB7-977F-DD53B318897B}" type="slidenum">
+            <a:fld id="{DB0B4D7C-EBE3-47D1-B8F8-BFDE63887C44}" type="slidenum">
               <a:rPr lang="en-US" sz="800" b="0" i="0" u="none" smtClean="0">
                 <a:solidFill>
                   <a:srgbClr val="1A1816"/>
@@ -10518,7 +10518,7 @@
                 </a:solidFill>
                 <a:latin typeface="+mn-lt"/>
               </a:rPr>
-              <a:t> of 61</a:t>
+              <a:t> of 60</a:t>
             </a:r>
             <a:endParaRPr lang="en-US" sz="800" b="0" i="0" u="none" dirty="0">
               <a:solidFill>
@@ -10940,7 +10940,7 @@
               </a:rPr>
               <a:t>  |  EKRISZA Kristóf Szabados  |  PA1  |  2020-05-26  |  Open  |  Page </a:t>
             </a:r>
-            <a:fld id="{3CCAFF88-93C0-4668-BDCC-5B42CABE2EB6}" type="slidenum">
+            <a:fld id="{2AC31417-75CB-46A2-A383-DE3E88B9904D}" type="slidenum">
               <a:rPr lang="en-US" sz="800" b="0" i="0" u="none" smtClean="0">
                 <a:solidFill>
                   <a:srgbClr val="1A1816"/>
@@ -10956,7 +10956,7 @@
                 </a:solidFill>
                 <a:latin typeface="+mn-lt"/>
               </a:rPr>
-              <a:t> of 61</a:t>
+              <a:t> of 60</a:t>
             </a:r>
             <a:endParaRPr lang="en-US" sz="800" b="0" i="0" u="none" dirty="0">
               <a:solidFill>
@@ -11441,7 +11441,7 @@
               </a:rPr>
               <a:t>  |  EKRISZA Kristóf Szabados  |  PA1  |  2020-05-26  |  Open  |  Page </a:t>
             </a:r>
-            <a:fld id="{D7CD29BB-635F-4550-8769-01DCAA5E021C}" type="slidenum">
+            <a:fld id="{9BE83362-C4AF-4115-B034-ACC7CE0A9F2B}" type="slidenum">
               <a:rPr lang="en-US" sz="800" b="0" i="0" u="none" smtClean="0">
                 <a:solidFill>
                   <a:srgbClr val="1A1816"/>
@@ -11457,7 +11457,7 @@
                 </a:solidFill>
                 <a:latin typeface="+mn-lt"/>
               </a:rPr>
-              <a:t> of 61</a:t>
+              <a:t> of 60</a:t>
             </a:r>
             <a:endParaRPr lang="en-US" sz="800" b="0" i="0" u="none" dirty="0">
               <a:solidFill>
@@ -11955,7 +11955,7 @@
               </a:rPr>
               <a:t>  |  EKRISZA Kristóf Szabados  |  PA1  |  2020-05-26  |  Open  |  Page </a:t>
             </a:r>
-            <a:fld id="{BFA7DC82-A9A1-4C9E-8756-CAA42FA29F8A}" type="slidenum">
+            <a:fld id="{69C0EEEB-42C9-45D0-89A0-B47CEF23B473}" type="slidenum">
               <a:rPr lang="en-US" sz="800" b="0" i="0" u="none" smtClean="0">
                 <a:solidFill>
                   <a:srgbClr val="1A1816"/>
@@ -11971,7 +11971,7 @@
                 </a:solidFill>
                 <a:latin typeface="+mn-lt"/>
               </a:rPr>
-              <a:t> of 61</a:t>
+              <a:t> of 60</a:t>
             </a:r>
             <a:endParaRPr lang="en-US" sz="800" b="0" i="0" u="none" dirty="0">
               <a:solidFill>
@@ -12433,7 +12433,7 @@
               </a:rPr>
               <a:t>  |  EKRISZA Kristóf Szabados  |  PA1  |  2020-05-26  |  Open  |  Page </a:t>
             </a:r>
-            <a:fld id="{83912326-A2D0-47E9-9E9C-4831B169C3A6}" type="slidenum">
+            <a:fld id="{0BD3C5DF-47A1-46B4-9A7A-1783823637B8}" type="slidenum">
               <a:rPr lang="en-US" sz="800" b="0" i="0" u="none" smtClean="0">
                 <a:solidFill>
                   <a:srgbClr val="1A1816"/>
@@ -12449,7 +12449,7 @@
                 </a:solidFill>
                 <a:latin typeface="+mn-lt"/>
               </a:rPr>
-              <a:t> of 61</a:t>
+              <a:t> of 60</a:t>
             </a:r>
             <a:endParaRPr lang="en-US" sz="800" b="0" i="0" u="none" dirty="0">
               <a:solidFill>
@@ -12820,7 +12820,7 @@
               </a:rPr>
               <a:t>  |  EKRISZA Kristóf Szabados  |  PA1  |  2020-05-26  |  Open  |  Page </a:t>
             </a:r>
-            <a:fld id="{8826C31F-5442-498E-AFD5-516A61EDB3CF}" type="slidenum">
+            <a:fld id="{499EF4F7-CCBA-4703-BC24-0FD4DC82DE51}" type="slidenum">
               <a:rPr lang="en-US" sz="800" b="0" i="0" u="none" smtClean="0">
                 <a:solidFill>
                   <a:schemeClr val="bg1"/>
@@ -12836,7 +12836,7 @@
                 </a:solidFill>
                 <a:latin typeface="+mn-lt"/>
               </a:rPr>
-              <a:t> of 61</a:t>
+              <a:t> of 60</a:t>
             </a:r>
             <a:endParaRPr lang="en-US" sz="800" b="0" i="0" u="none" dirty="0">
               <a:solidFill>
@@ -13369,7 +13369,7 @@
               </a:rPr>
               <a:t>  |  EKRISZA Kristóf Szabados  |  PA1  |  2020-05-26  |  Open  |  Page </a:t>
             </a:r>
-            <a:fld id="{42DC2FA4-5A65-4463-9D15-CD11C3DFD932}" type="slidenum">
+            <a:fld id="{EEE2AC93-99ED-44F2-8A2D-8193A0C4B904}" type="slidenum">
               <a:rPr lang="en-US" sz="800" b="0" i="0" u="none" smtClean="0">
                 <a:solidFill>
                   <a:srgbClr val="1A1816"/>
@@ -13385,7 +13385,7 @@
                 </a:solidFill>
                 <a:latin typeface="+mn-lt"/>
               </a:rPr>
-              <a:t> of 61</a:t>
+              <a:t> of 60</a:t>
             </a:r>
             <a:endParaRPr lang="en-US" sz="800" b="0" i="0" u="none" dirty="0">
               <a:solidFill>
@@ -14112,7 +14112,7 @@
               </a:rPr>
               <a:t>  |  EKRISZA Kristóf Szabados  |  PA1  |  2020-05-26  |  Open  |  Page </a:t>
             </a:r>
-            <a:fld id="{A6DFEEC6-FB03-4A0B-B9FC-070682C9D0B2}" type="slidenum">
+            <a:fld id="{FBF23AD9-5DFD-483C-8D0A-7FC6DA1D52E5}" type="slidenum">
               <a:rPr lang="en-US" sz="800" b="0" i="0" u="none" smtClean="0">
                 <a:solidFill>
                   <a:srgbClr val="1A1816"/>
@@ -14128,7 +14128,7 @@
                 </a:solidFill>
                 <a:latin typeface="+mn-lt"/>
               </a:rPr>
-              <a:t> of 61</a:t>
+              <a:t> of 60</a:t>
             </a:r>
             <a:endParaRPr lang="en-US" sz="800" b="0" i="0" u="none" dirty="0">
               <a:solidFill>
@@ -15468,7 +15468,7 @@
               </a:rPr>
               <a:t>  |  EKRISZA Kristóf Szabados  |  PA1  |  2020-05-26  |  Open  |  Page </a:t>
             </a:r>
-            <a:fld id="{390EE3BC-1091-4BE9-B979-1515727D27FB}" type="slidenum">
+            <a:fld id="{E612210F-A5C0-4054-A4D8-AB7A9FD77D22}" type="slidenum">
               <a:rPr lang="en-US" sz="800" b="0" i="0" u="none" smtClean="0">
                 <a:solidFill>
                   <a:schemeClr val="bg1"/>
@@ -15484,7 +15484,7 @@
                 </a:solidFill>
                 <a:latin typeface="+mn-lt"/>
               </a:rPr>
-              <a:t> of 61</a:t>
+              <a:t> of 60</a:t>
             </a:r>
             <a:endParaRPr lang="en-US" sz="800" b="0" i="0" u="none" dirty="0">
               <a:solidFill>
@@ -15968,7 +15968,7 @@
               </a:rPr>
               <a:t>  |  EKRISZA Kristóf Szabados  |  PA1  |  2020-05-26  |  Open  |  Page </a:t>
             </a:r>
-            <a:fld id="{0269905C-8EA2-4D79-8BC0-707B8E3143D3}" type="slidenum">
+            <a:fld id="{F745E3D8-986A-41A3-8362-81E5BD8715E5}" type="slidenum">
               <a:rPr lang="en-US" sz="800" b="0" i="0" u="none" smtClean="0">
                 <a:solidFill>
                   <a:schemeClr val="bg1"/>
@@ -15984,7 +15984,7 @@
                 </a:solidFill>
                 <a:latin typeface="+mn-lt"/>
               </a:rPr>
-              <a:t> of 61</a:t>
+              <a:t> of 60</a:t>
             </a:r>
             <a:endParaRPr lang="en-US" sz="800" b="0" i="0" u="none" dirty="0">
               <a:solidFill>
@@ -16351,7 +16351,7 @@
               </a:rPr>
               <a:t>  |  EKRISZA Kristóf Szabados  |  PA1  |  2020-05-26  |  Open  |  Page </a:t>
             </a:r>
-            <a:fld id="{ACCD9910-95DC-4358-88CA-6E4174D2B17C}" type="slidenum">
+            <a:fld id="{49542AD6-D2BE-4AA3-B9FD-08E20BB8A86B}" type="slidenum">
               <a:rPr lang="en-US" sz="800" b="0" i="0" u="none" smtClean="0">
                 <a:solidFill>
                   <a:schemeClr val="bg1"/>
@@ -16367,7 +16367,7 @@
                 </a:solidFill>
                 <a:latin typeface="+mn-lt"/>
               </a:rPr>
-              <a:t> of 61</a:t>
+              <a:t> of 60</a:t>
             </a:r>
             <a:endParaRPr lang="en-US" sz="800" b="0" i="0" u="none" dirty="0">
               <a:solidFill>
@@ -16839,7 +16839,7 @@
               </a:rPr>
               <a:t>  |  EKRISZA Kristóf Szabados  |  PA1  |  2020-05-26  |  Open  |  Page </a:t>
             </a:r>
-            <a:fld id="{F9018A5F-1AD8-4A11-A295-C5F39E96A8E7}" type="slidenum">
+            <a:fld id="{07FE8D91-22D5-422D-BF9C-CFC937722357}" type="slidenum">
               <a:rPr lang="en-US" sz="800" b="0" i="0" u="none" smtClean="0">
                 <a:solidFill>
                   <a:schemeClr val="bg1"/>
@@ -16855,7 +16855,7 @@
                 </a:solidFill>
                 <a:latin typeface="+mn-lt"/>
               </a:rPr>
-              <a:t> of 61</a:t>
+              <a:t> of 60</a:t>
             </a:r>
             <a:endParaRPr lang="en-US" sz="800" b="0" i="0" u="none" dirty="0">
               <a:solidFill>
@@ -17327,7 +17327,7 @@
               </a:rPr>
               <a:t>  |  EKRISZA Kristóf Szabados  |  PA1  |  2020-05-26  |  Open  |  Page </a:t>
             </a:r>
-            <a:fld id="{F3651960-B8BC-4976-803B-4745DBA2B315}" type="slidenum">
+            <a:fld id="{87F3DF03-6524-4AFA-B103-80D52735CC3A}" type="slidenum">
               <a:rPr lang="en-US" sz="800" b="0" i="0" u="none" smtClean="0">
                 <a:solidFill>
                   <a:schemeClr val="bg1"/>
@@ -17343,7 +17343,7 @@
                 </a:solidFill>
                 <a:latin typeface="+mn-lt"/>
               </a:rPr>
-              <a:t> of 61</a:t>
+              <a:t> of 60</a:t>
             </a:r>
             <a:endParaRPr lang="en-US" sz="800" b="0" i="0" u="none" dirty="0">
               <a:solidFill>
@@ -21214,21 +21214,21 @@
           <a:lstStyle/>
           <a:p>
             <a:r>
-              <a:rPr lang="en-US" dirty="0">
+              <a:rPr lang="en-US" sz="3600" dirty="0">
                 <a:hlinkClick r:id="rId4"/>
               </a:rPr>
               <a:t>BUG 559630 </a:t>
             </a:r>
             <a:r>
-              <a:rPr lang="en-US" dirty="0"/>
+              <a:rPr lang="en-US" sz="3600" dirty="0"/>
               <a:t>- bugfix: </a:t>
             </a:r>
             <a:r>
-              <a:rPr lang="en-US" dirty="0" err="1"/>
+              <a:rPr lang="en-US" sz="3600" dirty="0" err="1"/>
               <a:t>TitanOctetString.JSON_encode</a:t>
             </a:r>
             <a:r>
-              <a:rPr lang="en-US" dirty="0"/>
+              <a:rPr lang="en-US" sz="3600" dirty="0"/>
               <a:t>() returns wrong encoded value </a:t>
             </a:r>
           </a:p>
@@ -21250,7 +21250,12 @@
             <p:ph sz="quarter" idx="10"/>
           </p:nvPr>
         </p:nvSpPr>
-        <p:spPr/>
+        <p:spPr>
+          <a:xfrm>
+            <a:off x="479425" y="1844675"/>
+            <a:ext cx="11233150" cy="4392612"/>
+          </a:xfrm>
+        </p:spPr>
         <p:txBody>
           <a:bodyPr/>
           <a:lstStyle/>
@@ -21318,21 +21323,21 @@
           <a:lstStyle/>
           <a:p>
             <a:r>
-              <a:rPr lang="en-US" dirty="0">
+              <a:rPr lang="en-US" sz="3600" dirty="0">
                 <a:hlinkClick r:id="rId4"/>
               </a:rPr>
               <a:t>BUG 559789 </a:t>
             </a:r>
             <a:r>
-              <a:rPr lang="en-US" dirty="0"/>
+              <a:rPr lang="en-US" sz="3600" dirty="0"/>
               <a:t>- ttcn2java Wrong generated code if in ASN1 </a:t>
             </a:r>
             <a:r>
-              <a:rPr lang="en-US" dirty="0" err="1"/>
+              <a:rPr lang="en-US" sz="3600" dirty="0" err="1"/>
               <a:t>hexadec</a:t>
             </a:r>
             <a:r>
-              <a:rPr lang="en-US" dirty="0"/>
+              <a:rPr lang="en-US" sz="3600" dirty="0"/>
               <a:t> value assigned to var with type of ANY </a:t>
             </a:r>
           </a:p>
@@ -37609,9 +37614,10 @@
           <a:lstStyle/>
           <a:p>
             <a:r>
-              <a:rPr lang="en-US" dirty="0"/>
-              <a:t>Documentation (to be updated)</a:t>
-            </a:r>
+              <a:rPr lang="en-US"/>
+              <a:t>Documentation</a:t>
+            </a:r>
+            <a:endParaRPr lang="en-US" dirty="0"/>
           </a:p>
         </p:txBody>
       </p:sp>
@@ -37630,7 +37636,7 @@
           <p:nvPr>
             <p:extLst>
               <p:ext uri="{D42A27DB-BD31-4B8C-83A1-F6EECF244321}">
-                <p14:modId xmlns:p14="http://schemas.microsoft.com/office/powerpoint/2010/main" val="2895088253"/>
+                <p14:modId xmlns:p14="http://schemas.microsoft.com/office/powerpoint/2010/main" val="3371053099"/>
               </p:ext>
             </p:extLst>
           </p:nvPr>
@@ -37830,19 +37836,19 @@
                         <a:rPr lang="es-ES" sz="1100" u="none" strike="noStrike" dirty="0">
                           <a:effectLst/>
                         </a:rPr>
-                        <a:t>CRL 113 200/7  1Uen </a:t>
-                      </a:r>
-                      <a:r>
-                        <a:rPr lang="es-ES" sz="1100" u="none" strike="noStrike" err="1">
-                          <a:effectLst/>
-                        </a:rPr>
-                        <a:t>Rev</a:t>
+                        <a:t>CRL </a:t>
                       </a:r>
                       <a:r>
                         <a:rPr lang="es-ES" sz="1100" u="none" strike="noStrike">
                           <a:effectLst/>
                         </a:rPr>
-                        <a:t>.A</a:t>
+                        <a:t>113 200/7-1Uen </a:t>
+                      </a:r>
+                      <a:r>
+                        <a:rPr lang="es-ES" sz="1100" u="none" strike="noStrike" dirty="0" err="1">
+                          <a:effectLst/>
+                        </a:rPr>
+                        <a:t>Rev.A</a:t>
                       </a:r>
                       <a:endParaRPr lang="es-ES" sz="1100" b="0" i="0" u="none" strike="noStrike" dirty="0">
                         <a:solidFill>
@@ -41108,7 +41114,7 @@
 </file>
 
 <file path=customXml/item10.xml><?xml version="1.0" encoding="utf-8"?>
-<TemplafySlideFormConfiguration><![CDATA[{"formFields":[],"formDataEntries":[]}]]></TemplafySlideFormConfiguration>
+<TemplafySlideTemplateConfiguration><![CDATA[{"documentContentValidatorConfiguration":{"enableDocumentContentValidator":false,"documentContentValidatorVersion":0},"elementsMetadata":[],"slideId":"637260122995618811","enableDocumentContentUpdater":true,"version":"1.9"}]]></TemplafySlideTemplateConfiguration>
 </file>
 
 <file path=customXml/item100.xml><?xml version="1.0" encoding="utf-8"?>
@@ -41120,9 +41126,7 @@
 </file>
 
 <file path=customXml/item102.xml><?xml version="1.0" encoding="utf-8"?>
-<p:properties xmlns:p="http://schemas.microsoft.com/office/2006/metadata/properties" xmlns:xsi="http://www.w3.org/2001/XMLSchema-instance" xmlns:pc="http://schemas.microsoft.com/office/infopath/2007/PartnerControls">
-  <documentManagement/>
-</p:properties>
+<TemplafySlideTemplateConfiguration><![CDATA[{"documentContentValidatorConfiguration":{"enableDocumentContentValidator":false,"documentContentValidatorVersion":0},"elementsMetadata":[],"slideId":"637260122995618811","enableDocumentContentUpdater":true,"version":"1.9"}]]></TemplafySlideTemplateConfiguration>
 </file>
 
 <file path=customXml/item103.xml><?xml version="1.0" encoding="utf-8"?>
@@ -41134,7 +41138,7 @@
 </file>
 
 <file path=customXml/item105.xml><?xml version="1.0" encoding="utf-8"?>
-<TemplafySlideFormConfiguration><![CDATA[{"formFields":[],"formDataEntries":[]}]]></TemplafySlideFormConfiguration>
+<TemplafySlideTemplateConfiguration><![CDATA[{"documentContentValidatorConfiguration":{"enableDocumentContentValidator":false,"documentContentValidatorVersion":0},"elementsMetadata":[],"slideId":"637260122995618811","enableDocumentContentUpdater":true,"version":"1.9"}]]></TemplafySlideTemplateConfiguration>
 </file>
 
 <file path=customXml/item106.xml><?xml version="1.0" encoding="utf-8"?>
@@ -41142,7 +41146,9 @@
 </file>
 
 <file path=customXml/item107.xml><?xml version="1.0" encoding="utf-8"?>
-<TemplafySlideFormConfiguration><![CDATA[{"formFields":[],"formDataEntries":[]}]]></TemplafySlideFormConfiguration>
+<p:properties xmlns:p="http://schemas.microsoft.com/office/2006/metadata/properties" xmlns:xsi="http://www.w3.org/2001/XMLSchema-instance" xmlns:pc="http://schemas.microsoft.com/office/infopath/2007/PartnerControls">
+  <documentManagement/>
+</p:properties>
 </file>
 
 <file path=customXml/item108.xml><?xml version="1.0" encoding="utf-8"?>
@@ -41150,19 +41156,19 @@
 </file>
 
 <file path=customXml/item109.xml><?xml version="1.0" encoding="utf-8"?>
-<TemplafySlideTemplateConfiguration><![CDATA[{"documentContentValidatorConfiguration":{"enableDocumentContentValidator":false,"documentContentValidatorVersion":0},"elementsMetadata":[],"slideId":"637260122995618811","enableDocumentContentUpdater":true,"version":"1.9"}]]></TemplafySlideTemplateConfiguration>
+<TemplafySlideFormConfiguration><![CDATA[{"formFields":[],"formDataEntries":[]}]]></TemplafySlideFormConfiguration>
 </file>
 
 <file path=customXml/item11.xml><?xml version="1.0" encoding="utf-8"?>
-<TemplafySlideTemplateConfiguration><![CDATA[{"documentContentValidatorConfiguration":{"enableDocumentContentValidator":false,"documentContentValidatorVersion":0},"elementsMetadata":[],"slideId":"637260122995618811","enableDocumentContentUpdater":true,"version":"1.9"}]]></TemplafySlideTemplateConfiguration>
+<TemplafySlideFormConfiguration><![CDATA[{"formFields":[],"formDataEntries":[]}]]></TemplafySlideFormConfiguration>
 </file>
 
 <file path=customXml/item110.xml><?xml version="1.0" encoding="utf-8"?>
-<TemplafySlideTemplateConfiguration><![CDATA[{"elementsMetadata":[],"documentContentValidatorConfiguration":{"enableDocumentContentValidator":false,"documentContentValidatorVersion":0},"slideId":"637027476704980324","enableDocumentContentUpdater":true,"version":"1.9"}]]></TemplafySlideTemplateConfiguration>
+<TemplafySlideFormConfiguration><![CDATA[{"formFields":[],"formDataEntries":[]}]]></TemplafySlideFormConfiguration>
 </file>
 
 <file path=customXml/item111.xml><?xml version="1.0" encoding="utf-8"?>
-<TemplafySlideTemplateConfiguration><![CDATA[{"documentContentValidatorConfiguration":{"enableDocumentContentValidator":false,"documentContentValidatorVersion":0},"elementsMetadata":[],"slideId":"637260122995775075","enableDocumentContentUpdater":true,"version":"1.9"}]]></TemplafySlideTemplateConfiguration>
+<TemplafySlideFormConfiguration><![CDATA[{"formFields":[],"formDataEntries":[]}]]></TemplafySlideFormConfiguration>
 </file>
 
 <file path=customXml/item112.xml><?xml version="1.0" encoding="utf-8"?>
@@ -41174,12 +41180,7 @@
 </file>
 
 <file path=customXml/item114.xml><?xml version="1.0" encoding="utf-8"?>
-<?mso-contentType ?>
-<FormTemplates xmlns="http://schemas.microsoft.com/sharepoint/v3/contenttype/forms">
-  <Display>DocumentLibraryForm</Display>
-  <Edit>DocumentLibraryForm</Edit>
-  <New>DocumentLibraryForm</New>
-</FormTemplates>
+<TemplafySlideTemplateConfiguration><![CDATA[{"documentContentValidatorConfiguration":{"enableDocumentContentValidator":false,"documentContentValidatorVersion":0},"elementsMetadata":[],"slideId":"637260122995775075","enableDocumentContentUpdater":true,"version":"1.9"}]]></TemplafySlideTemplateConfiguration>
 </file>
 
 <file path=customXml/item115.xml><?xml version="1.0" encoding="utf-8"?>
@@ -41191,10 +41192,62 @@
 </file>
 
 <file path=customXml/item117.xml><?xml version="1.0" encoding="utf-8"?>
+<TemplafySlideTemplateConfiguration><![CDATA[{"documentContentValidatorConfiguration":{"enableDocumentContentValidator":false,"documentContentValidatorVersion":0},"elementsMetadata":[],"slideId":"637260122995618811","enableDocumentContentUpdater":true,"version":"1.9"}]]></TemplafySlideTemplateConfiguration>
+</file>
+
+<file path=customXml/item118.xml><?xml version="1.0" encoding="utf-8"?>
+<TemplafySlideTemplateConfiguration><![CDATA[{"documentContentValidatorConfiguration":{"enableDocumentContentValidator":false,"documentContentValidatorVersion":0},"elementsMetadata":[],"slideId":"637260122995618811","enableDocumentContentUpdater":true,"version":"1.9"}]]></TemplafySlideTemplateConfiguration>
+</file>
+
+<file path=customXml/item119.xml><?xml version="1.0" encoding="utf-8"?>
 <TemplafySlideFormConfiguration><![CDATA[{"formFields":[],"formDataEntries":[]}]]></TemplafySlideFormConfiguration>
 </file>
 
-<file path=customXml/item118.xml><?xml version="1.0" encoding="utf-8"?>
+<file path=customXml/item12.xml><?xml version="1.0" encoding="utf-8"?>
+<TemplafySlideFormConfiguration><![CDATA[{"formFields":[],"formDataEntries":[]}]]></TemplafySlideFormConfiguration>
+</file>
+
+<file path=customXml/item120.xml><?xml version="1.0" encoding="utf-8"?>
+<TemplafySlideTemplateConfiguration><![CDATA[{"documentContentValidatorConfiguration":{"enableDocumentContentValidator":false,"documentContentValidatorVersion":0},"elementsMetadata":[],"slideId":"637260122995618811","enableDocumentContentUpdater":true,"version":"1.9"}]]></TemplafySlideTemplateConfiguration>
+</file>
+
+<file path=customXml/item121.xml><?xml version="1.0" encoding="utf-8"?>
+<TemplafySlideFormConfiguration><![CDATA[{"formFields":[],"formDataEntries":[]}]]></TemplafySlideFormConfiguration>
+</file>
+
+<file path=customXml/item122.xml><?xml version="1.0" encoding="utf-8"?>
+<TemplafySlideFormConfiguration><![CDATA[{"formFields":[],"formDataEntries":[]}]]></TemplafySlideFormConfiguration>
+</file>
+
+<file path=customXml/item123.xml><?xml version="1.0" encoding="utf-8"?>
+<TemplafySlideTemplateConfiguration><![CDATA[{"documentContentValidatorConfiguration":{"enableDocumentContentValidator":false,"documentContentValidatorVersion":0},"elementsMetadata":[],"slideId":"637260122995618811","enableDocumentContentUpdater":true,"version":"1.9"}]]></TemplafySlideTemplateConfiguration>
+</file>
+
+<file path=customXml/item124.xml><?xml version="1.0" encoding="utf-8"?>
+<TemplafySlideTemplateConfiguration><![CDATA[{"documentContentValidatorConfiguration":{"enableDocumentContentValidator":false,"documentContentValidatorVersion":0},"elementsMetadata":[],"slideId":"637260122995618811","enableDocumentContentUpdater":true,"version":"1.9"}]]></TemplafySlideTemplateConfiguration>
+</file>
+
+<file path=customXml/item125.xml><?xml version="1.0" encoding="utf-8"?>
+<TemplafySlideTemplateConfiguration><![CDATA[{"documentContentValidatorConfiguration":{"enableDocumentContentValidator":false,"documentContentValidatorVersion":0},"elementsMetadata":[],"slideId":"637260122995618811","enableDocumentContentUpdater":true,"version":"1.9"}]]></TemplafySlideTemplateConfiguration>
+</file>
+
+<file path=customXml/item126.xml><?xml version="1.0" encoding="utf-8"?>
+<TemplafySlideFormConfiguration><![CDATA[{"formFields":[],"formDataEntries":[]}]]></TemplafySlideFormConfiguration>
+</file>
+
+<file path=customXml/item127.xml><?xml version="1.0" encoding="utf-8"?>
+<TemplafySlideTemplateConfiguration><![CDATA[{"documentContentValidatorConfiguration":{"enableDocumentContentValidator":false,"documentContentValidatorVersion":0},"elementsMetadata":[],"slideId":"637260122995618811","enableDocumentContentUpdater":true,"version":"1.9"}]]></TemplafySlideTemplateConfiguration>
+</file>
+
+<file path=customXml/item13.xml><?xml version="1.0" encoding="utf-8"?>
+<TemplafySlideFormConfiguration><![CDATA[{"formFields":[],"formDataEntries":[]}]]></TemplafySlideFormConfiguration>
+</file>
+
+<file path=customXml/item14.xml><?xml version="1.0" encoding="utf-8"?>
+<TemplafySlideTemplateConfiguration><![CDATA[{"documentContentValidatorConfiguration":{"enableDocumentContentValidator":false,"documentContentValidatorVersion":0},"elementsMetadata":[],"slideId":"637260122995618811","enableDocumentContentUpdater":true,"version":"1.9"}]]></TemplafySlideTemplateConfiguration>
+</file>
+
+<file path=customXml/item15.xml><?xml version="1.0" encoding="utf-8"?>
 <ct:contentTypeSchema xmlns:ct="http://schemas.microsoft.com/office/2006/metadata/contentType" xmlns:ma="http://schemas.microsoft.com/office/2006/metadata/properties/metaAttributes" ct:_="" ma:_="" ma:contentTypeName="Document" ma:contentTypeID="0x0101002C8661F604A9A64C9627B875CBEE0D49" ma:contentTypeVersion="15" ma:contentTypeDescription="Create a new document." ma:contentTypeScope="" ma:versionID="a479c757ef17ea2b01d6697cee2b70c6">
   <xsd:schema xmlns:xsd="http://www.w3.org/2001/XMLSchema" xmlns:xs="http://www.w3.org/2001/XMLSchema" xmlns:p="http://schemas.microsoft.com/office/2006/metadata/properties" xmlns:ns3="92e1255f-bb7b-4dc9-b051-584cc104eb44" xmlns:ns4="a6550eff-0fc9-443f-8e77-72cbcf778382" targetNamespace="http://schemas.microsoft.com/office/2006/metadata/properties" ma:root="true" ma:fieldsID="08df2d0f55032e4052d032aa8ec7ed1f" ns3:_="" ns4:_="">
     <xsd:import namespace="92e1255f-bb7b-4dc9-b051-584cc104eb44"/>
@@ -41431,68 +41484,21 @@
 </ct:contentTypeSchema>
 </file>
 
-<file path=customXml/item119.xml><?xml version="1.0" encoding="utf-8"?>
+<file path=customXml/item16.xml><?xml version="1.0" encoding="utf-8"?>
 <TemplafySlideFormConfiguration><![CDATA[{"formFields":[],"formDataEntries":[]}]]></TemplafySlideFormConfiguration>
 </file>
 
-<file path=customXml/item12.xml><?xml version="1.0" encoding="utf-8"?>
-<TemplafySlideFormConfiguration><![CDATA[{"formFields":[],"formDataEntries":[]}]]></TemplafySlideFormConfiguration>
-</file>
-
-<file path=customXml/item120.xml><?xml version="1.0" encoding="utf-8"?>
-<TemplafySlideTemplateConfiguration><![CDATA[{"documentContentValidatorConfiguration":{"enableDocumentContentValidator":false,"documentContentValidatorVersion":0},"elementsMetadata":[],"slideId":"637260122995618811","enableDocumentContentUpdater":true,"version":"1.9"}]]></TemplafySlideTemplateConfiguration>
-</file>
-
-<file path=customXml/item121.xml><?xml version="1.0" encoding="utf-8"?>
-<TemplafySlideFormConfiguration><![CDATA[{"formFields":[],"formDataEntries":[]}]]></TemplafySlideFormConfiguration>
-</file>
-
-<file path=customXml/item122.xml><?xml version="1.0" encoding="utf-8"?>
-<TemplafySlideFormConfiguration><![CDATA[{"formFields":[],"formDataEntries":[]}]]></TemplafySlideFormConfiguration>
-</file>
-
-<file path=customXml/item123.xml><?xml version="1.0" encoding="utf-8"?>
-<TemplafySlideTemplateConfiguration><![CDATA[{"documentContentValidatorConfiguration":{"enableDocumentContentValidator":false,"documentContentValidatorVersion":0},"elementsMetadata":[],"slideId":"637260122995618811","enableDocumentContentUpdater":true,"version":"1.9"}]]></TemplafySlideTemplateConfiguration>
-</file>
-
-<file path=customXml/item124.xml><?xml version="1.0" encoding="utf-8"?>
-<TemplafySlideFormConfiguration><![CDATA[{"formFields":[],"formDataEntries":[]}]]></TemplafySlideFormConfiguration>
-</file>
-
-<file path=customXml/item125.xml><?xml version="1.0" encoding="utf-8"?>
-<TemplafySlideFormConfiguration><![CDATA[{"formFields":[],"formDataEntries":[]}]]></TemplafySlideFormConfiguration>
-</file>
-
-<file path=customXml/item126.xml><?xml version="1.0" encoding="utf-8"?>
-<TemplafySlideTemplateConfiguration><![CDATA[{"documentContentValidatorConfiguration":{"enableDocumentContentValidator":false,"documentContentValidatorVersion":0},"elementsMetadata":[],"slideId":"637260122995618811","enableDocumentContentUpdater":true,"version":"1.9"}]]></TemplafySlideTemplateConfiguration>
-</file>
-
-<file path=customXml/item127.xml><?xml version="1.0" encoding="utf-8"?>
-<TemplafySlideTemplateConfiguration><![CDATA[{"documentContentValidatorConfiguration":{"enableDocumentContentValidator":false,"documentContentValidatorVersion":0},"elementsMetadata":[],"slideId":"637260122995618811","enableDocumentContentUpdater":true,"version":"1.9"}]]></TemplafySlideTemplateConfiguration>
-</file>
-
-<file path=customXml/item13.xml><?xml version="1.0" encoding="utf-8"?>
-<TemplafySlideFormConfiguration><![CDATA[{"formFields":[],"formDataEntries":[]}]]></TemplafySlideFormConfiguration>
-</file>
-
-<file path=customXml/item14.xml><?xml version="1.0" encoding="utf-8"?>
-<TemplafySlideTemplateConfiguration><![CDATA[{"documentContentValidatorConfiguration":{"enableDocumentContentValidator":false,"documentContentValidatorVersion":0},"elementsMetadata":[],"slideId":"637260122995462646","enableDocumentContentUpdater":true,"version":"1.9"}]]></TemplafySlideTemplateConfiguration>
-</file>
-
-<file path=customXml/item15.xml><?xml version="1.0" encoding="utf-8"?>
-<TemplafySlideTemplateConfiguration><![CDATA[{"documentContentValidatorConfiguration":{"enableDocumentContentValidator":false,"documentContentValidatorVersion":0},"elementsMetadata":[],"slideId":"637260122995618811","enableDocumentContentUpdater":true,"version":"1.9"}]]></TemplafySlideTemplateConfiguration>
-</file>
-
-<file path=customXml/item16.xml><?xml version="1.0" encoding="utf-8"?>
-<TemplafySlideTemplateConfiguration><![CDATA[{"documentContentValidatorConfiguration":{"enableDocumentContentValidator":false,"documentContentValidatorVersion":0},"elementsMetadata":[],"slideId":"637260122995618811","enableDocumentContentUpdater":true,"version":"1.9"}]]></TemplafySlideTemplateConfiguration>
-</file>
-
 <file path=customXml/item17.xml><?xml version="1.0" encoding="utf-8"?>
-<TemplafySlideTemplateConfiguration><![CDATA[{"documentContentValidatorConfiguration":{"enableDocumentContentValidator":false,"documentContentValidatorVersion":0},"elementsMetadata":[],"slideId":"637260122995618811","enableDocumentContentUpdater":true,"version":"1.9"}]]></TemplafySlideTemplateConfiguration>
+<?mso-contentType ?>
+<FormTemplates xmlns="http://schemas.microsoft.com/sharepoint/v3/contenttype/forms">
+  <Display>DocumentLibraryForm</Display>
+  <Edit>DocumentLibraryForm</Edit>
+  <New>DocumentLibraryForm</New>
+</FormTemplates>
 </file>
 
 <file path=customXml/item18.xml><?xml version="1.0" encoding="utf-8"?>
-<TemplafySlideFormConfiguration><![CDATA[{"formFields":[],"formDataEntries":[]}]]></TemplafySlideFormConfiguration>
+<TemplafySlideTemplateConfiguration><![CDATA[{"documentContentValidatorConfiguration":{"enableDocumentContentValidator":false,"documentContentValidatorVersion":0},"elementsMetadata":[],"slideId":"637260122995618811","enableDocumentContentUpdater":true,"version":"1.9"}]]></TemplafySlideTemplateConfiguration>
 </file>
 
 <file path=customXml/item19.xml><?xml version="1.0" encoding="utf-8"?>
@@ -41504,15 +41510,15 @@
 </file>
 
 <file path=customXml/item20.xml><?xml version="1.0" encoding="utf-8"?>
-<TemplafySlideTemplateConfiguration><![CDATA[{"documentContentValidatorConfiguration":{"enableDocumentContentValidator":false,"documentContentValidatorVersion":0},"elementsMetadata":[],"slideId":"637260122995618811","enableDocumentContentUpdater":true,"version":"1.9"}]]></TemplafySlideTemplateConfiguration>
+<TemplafySlideFormConfiguration><![CDATA[{"formFields":[],"formDataEntries":[]}]]></TemplafySlideFormConfiguration>
 </file>
 
 <file path=customXml/item21.xml><?xml version="1.0" encoding="utf-8"?>
-<TemplafySlideTemplateConfiguration><![CDATA[{"documentContentValidatorConfiguration":{"enableDocumentContentValidator":false,"documentContentValidatorVersion":0},"elementsMetadata":[],"slideId":"637260122995618811","enableDocumentContentUpdater":true,"version":"1.9"}]]></TemplafySlideTemplateConfiguration>
+<TemplafySlideFormConfiguration><![CDATA[{"formFields":[],"formDataEntries":[]}]]></TemplafySlideFormConfiguration>
 </file>
 
 <file path=customXml/item22.xml><?xml version="1.0" encoding="utf-8"?>
-<TemplafySlideTemplateConfiguration><![CDATA[{"documentContentValidatorConfiguration":{"enableDocumentContentValidator":false,"documentContentValidatorVersion":0},"elementsMetadata":[],"slideId":"637260122995618811","enableDocumentContentUpdater":true,"version":"1.9"}]]></TemplafySlideTemplateConfiguration>
+<TemplafySlideFormConfiguration><![CDATA[{"formFields":[],"formDataEntries":[]}]]></TemplafySlideFormConfiguration>
 </file>
 
 <file path=customXml/item23.xml><?xml version="1.0" encoding="utf-8"?>
@@ -41524,11 +41530,11 @@
 </file>
 
 <file path=customXml/item25.xml><?xml version="1.0" encoding="utf-8"?>
-<TemplafySlideFormConfiguration><![CDATA[{"formFields":[],"formDataEntries":[]}]]></TemplafySlideFormConfiguration>
+<TemplafySlideTemplateConfiguration><![CDATA[{"documentContentValidatorConfiguration":{"enableDocumentContentValidator":false,"documentContentValidatorVersion":0},"elementsMetadata":[],"slideId":"637260122995618811","enableDocumentContentUpdater":true,"version":"1.9"}]]></TemplafySlideTemplateConfiguration>
 </file>
 
 <file path=customXml/item26.xml><?xml version="1.0" encoding="utf-8"?>
-<TemplafySlideFormConfiguration><![CDATA[{"formFields":[],"formDataEntries":[]}]]></TemplafySlideFormConfiguration>
+<TemplafySlideTemplateConfiguration><![CDATA[{"documentContentValidatorConfiguration":{"enableDocumentContentValidator":false,"documentContentValidatorVersion":0},"elementsMetadata":[],"slideId":"637260122995618811","enableDocumentContentUpdater":true,"version":"1.9"}]]></TemplafySlideTemplateConfiguration>
 </file>
 
 <file path=customXml/item27.xml><?xml version="1.0" encoding="utf-8"?>
@@ -41536,11 +41542,11 @@
 </file>
 
 <file path=customXml/item28.xml><?xml version="1.0" encoding="utf-8"?>
-<TemplafySlideFormConfiguration><![CDATA[{"formFields":[],"formDataEntries":[]}]]></TemplafySlideFormConfiguration>
+<TemplafySlideTemplateConfiguration><![CDATA[{"documentContentValidatorConfiguration":{"enableDocumentContentValidator":false,"documentContentValidatorVersion":0},"elementsMetadata":[],"slideId":"637260122995618811","enableDocumentContentUpdater":true,"version":"1.9"}]]></TemplafySlideTemplateConfiguration>
 </file>
 
 <file path=customXml/item29.xml><?xml version="1.0" encoding="utf-8"?>
-<TemplafySlideTemplateConfiguration><![CDATA[{"documentContentValidatorConfiguration":{"enableDocumentContentValidator":false,"documentContentValidatorVersion":0},"elementsMetadata":[],"slideId":"637260122995618811","enableDocumentContentUpdater":true,"version":"1.9"}]]></TemplafySlideTemplateConfiguration>
+<TemplafySlideFormConfiguration><![CDATA[{"formFields":[],"formDataEntries":[]}]]></TemplafySlideFormConfiguration>
 </file>
 
 <file path=customXml/item3.xml><?xml version="1.0" encoding="utf-8"?>
@@ -41548,7 +41554,7 @@
 </file>
 
 <file path=customXml/item30.xml><?xml version="1.0" encoding="utf-8"?>
-<TemplafySlideFormConfiguration><![CDATA[{"formFields":[],"formDataEntries":[]}]]></TemplafySlideFormConfiguration>
+<TemplafyFormConfiguration><![CDATA[{"formFields":[{"required":true,"placeholder":"","lines":0,"type":"textBox","name":"DocumentTitle","label":"Document Title","helpTexts":{"prefix":"","postfix":""},"spacing":{},"fullyQualifiedName":"DocumentTitle"},{"dataSource":"Confidentiality","displayColumn":"confidentiality","hideIfNoUserInteractionRequired":false,"distinct":true,"required":true,"autoSelectFirstOption":false,"type":"dropDown","name":"ConfidentialityClass","label":"Confidentiality Class","helpTexts":{"prefix":"","postfix":""},"spacing":{},"fullyQualifiedName":"ConfidentialityClass"},{"dataSource":"External Confidentiality label","displayColumn":"externalConfidentiality","hideIfNoUserInteractionRequired":false,"distinct":true,"required":false,"autoSelectFirstOption":false,"defaultValue":"1","type":"dropDown","name":"ExternalConfidentialityLabel","label":"External Confidentiality label","helpTexts":{"prefix":"","postfix":"If no external confidentiality class then please choose the blank value"},"spacing":{},"fullyQualifiedName":"ExternalConfidentialityLabel"},{"dataSource":"PowerPoint Document Type","column":"documentType","required":false,"placeholder":"","autoSelectFirstOption":false,"type":"comboBox","name":"DocTypePresentation","label":"Document Type Presentation","helpTexts":{"prefix":"","postfix":"If the document type differs from the default value, click on the X to delete and type/choose another type."},"spacing":{},"fullyQualifiedName":"DocTypePresentation"},{"required":false,"placeholder":"","lines":0,"type":"textBox","name":"DocumentNumber","label":"Document Number","helpTexts":{"prefix":"","postfix":""},"spacing":{},"fullyQualifiedName":"DocumentNumber"},{"dataSource":"Language code","displayColumn":"showName","hideIfNoUserInteractionRequired":false,"distinct":true,"required":false,"autoSelectFirstOption":false,"defaultValue":"1","type":"dropDown","name":"LanguageCode","label":"Language Code","helpTexts":{"prefix":"","postfix":"The language code will be appended to the Document No."},"spacing":{},"fullyQualifiedName":"LanguageCode"},{"dataSource":"Revision","column":"revision","required":false,"placeholder":"","autoSelectFirstOption":false,"type":"comboBox","name":"Revision","label":"Revision","helpTexts":{"prefix":"","postfix":""},"spacing":{},"fullyQualifiedName":"Revision"},{"required":false,"type":"datePicker","name":"Date","label":"Date","helpTexts":{"prefix":"","postfix":""},"spacing":{},"fullyQualifiedName":"Date"},{"type":"heading","name":"FooterVisibilityOptions","label":"Footer Visibility Options","helpTexts":{"prefix":"","postfix":""},"spacing":{},"fullyQualifiedName":"FooterVisibilityOptions"},{"dataSource":"PPT FooterVisibility","displayColumn":"templateType","hideIfNoUserInteractionRequired":false,"distinct":true,"required":true,"autoSelectFirstOption":false,"defaultValue":"1","type":"dropDown","name":"TemplateType","label":"Is this a document or presentation?","helpTexts":{"prefix":"","postfix":""},"spacing":{},"fullyQualifiedName":"TemplateType"},{"dataSource":"PPT FooterVisibility","displayColumn":"docTitle_label","filter":{"column":"templateType","otherFieldName":"TemplateType","fullyQualifiedOtherFieldName":"TemplateType","otherFieldColumn":"TemplateType","formReference":"none","operator":"equals"},"hideIfNoUserInteractionRequired":false,"distinct":true,"required":false,"autoSelectFirstOption":true,"type":"dropDown","name":"DocTitle","label":"Show document title in footer?","helpTexts":{"prefix":"","postfix":""},"spacing":{},"fullyQualifiedName":"DocTitle"},{"dataSource":"PPT FooterVisibility","displayColumn":"totalPageNo_text","filter":{"column":"templateType","otherFieldName":"TemplateType","fullyQualifiedOtherFieldName":"TemplateType","otherFieldColumn":"TemplateType","formReference":"none","operator":"equals"},"hideIfNoUserInteractionRequired":false,"distinct":true,"required":false,"autoSelectFirstOption":true,"type":"dropDown","name":"TotalPageNo","label":"Page numbering","helpTexts":{"prefix":"","postfix":""},"spacing":{},"fullyQualifiedName":"TotalPageNo"},{"required":false,"placeholder":"","lines":0,"defaultValue":"{{UserProfile.Prepared}}","type":"textBox","name":"Prepared","label":"Prepared By (Subject Responsible)","helpTexts":{"prefix":"","postfix":""},"spacing":{},"fullyQualifiedName":"Prepared"},{"required":false,"placeholder":"","lines":0,"type":"textBox","name":"ApprovedBy","label":"Approved By (Document Responsible)","helpTexts":{"prefix":"","postfix":""},"spacing":{},"fullyQualifiedName":"ApprovedBy"},{"required":false,"placeholder":"","lines":0,"type":"textBox","name":"Checked","label":"Checked","helpTexts":{"prefix":"","postfix":""},"spacing":{},"fullyQualifiedName":"Checked"},{"required":false,"placeholder":"","lines":0,"type":"textBox","name":"Reference","label":"Reference","helpTexts":{"prefix":"","postfix":""},"spacing":{},"fullyQualifiedName":"Reference"},{"required":false,"placeholder":"","lines":0,"type":"textBox","name":"Keywords","label":"Keywords","helpTexts":{"prefix":"","postfix":""},"spacing":{},"fullyQualifiedName":"Keywords"}],"formDataEntries":[{"name":"DocumentTitle","value":"86hGZrp/Cm3oO5UJX6l14qHmcU8+TbLca/Tf1umHqEw="},{"name":"ConfidentialityClass","value":"cT/FOwTWaPknrhRlNMh4SQ=="},{"name":"ExternalConfidentialityLabel","value":"u2D/MG3wyuAQhkGvE2fPaA=="},{"name":"DocTypePresentation","value":"tzu6Hb53LEDFeaU5mCHMFQ=="},{"name":"LanguageCode","value":"5wlu7ZdPxHQj1W0w+yTNSg=="},{"name":"Revision","value":"6m1d9LG9UzmvsTZWoE7bdw=="},{"name":"Date","value":"aSa1EChX8dQnU+IjGafyQA=="},{"name":"TemplateType","value":"5wlu7ZdPxHQj1W0w+yTNSg=="},{"name":"DocTitle","value":"5wlu7ZdPxHQj1W0w+yTNSg=="},{"name":"TotalPageNo","value":"5wlu7ZdPxHQj1W0w+yTNSg=="},{"name":"Prepared","value":"MS7aj+61JzMOAzsIKYyJMp0rOjhIwZ7QJPL4NJ74T1A="}]}]]></TemplafyFormConfiguration>
 </file>
 
 <file path=customXml/item31.xml><?xml version="1.0" encoding="utf-8"?>
@@ -41560,7 +41566,7 @@
 </file>
 
 <file path=customXml/item33.xml><?xml version="1.0" encoding="utf-8"?>
-<TemplafySlideFormConfiguration><![CDATA[{"formFields":[],"formDataEntries":[]}]]></TemplafySlideFormConfiguration>
+<TemplafySlideTemplateConfiguration><![CDATA[{"documentContentValidatorConfiguration":{"enableDocumentContentValidator":false,"documentContentValidatorVersion":0},"elementsMetadata":[],"slideId":"637260122995618811","enableDocumentContentUpdater":true,"version":"1.9"}]]></TemplafySlideTemplateConfiguration>
 </file>
 
 <file path=customXml/item34.xml><?xml version="1.0" encoding="utf-8"?>
@@ -41572,11 +41578,11 @@
 </file>
 
 <file path=customXml/item36.xml><?xml version="1.0" encoding="utf-8"?>
-<TemplafyFormConfiguration><![CDATA[{"formFields":[{"required":true,"placeholder":"","lines":0,"type":"textBox","name":"DocumentTitle","label":"Document Title","helpTexts":{"prefix":"","postfix":""},"spacing":{},"fullyQualifiedName":"DocumentTitle"},{"dataSource":"Confidentiality","displayColumn":"confidentiality","hideIfNoUserInteractionRequired":false,"distinct":true,"required":true,"autoSelectFirstOption":false,"type":"dropDown","name":"ConfidentialityClass","label":"Confidentiality Class","helpTexts":{"prefix":"","postfix":""},"spacing":{},"fullyQualifiedName":"ConfidentialityClass"},{"dataSource":"External Confidentiality label","displayColumn":"externalConfidentiality","hideIfNoUserInteractionRequired":false,"distinct":true,"required":false,"autoSelectFirstOption":false,"defaultValue":"1","type":"dropDown","name":"ExternalConfidentialityLabel","label":"External Confidentiality label","helpTexts":{"prefix":"","postfix":"If no external confidentiality class then please choose the blank value"},"spacing":{},"fullyQualifiedName":"ExternalConfidentialityLabel"},{"dataSource":"PowerPoint Document Type","column":"documentType","required":false,"placeholder":"","autoSelectFirstOption":false,"type":"comboBox","name":"DocTypePresentation","label":"Document Type Presentation","helpTexts":{"prefix":"","postfix":"If the document type differs from the default value, click on the X to delete and type/choose another type."},"spacing":{},"fullyQualifiedName":"DocTypePresentation"},{"required":false,"placeholder":"","lines":0,"type":"textBox","name":"DocumentNumber","label":"Document Number","helpTexts":{"prefix":"","postfix":""},"spacing":{},"fullyQualifiedName":"DocumentNumber"},{"dataSource":"Language code","displayColumn":"showName","hideIfNoUserInteractionRequired":false,"distinct":true,"required":false,"autoSelectFirstOption":false,"defaultValue":"1","type":"dropDown","name":"LanguageCode","label":"Language Code","helpTexts":{"prefix":"","postfix":"The language code will be appended to the Document No."},"spacing":{},"fullyQualifiedName":"LanguageCode"},{"dataSource":"Revision","column":"revision","required":false,"placeholder":"","autoSelectFirstOption":false,"type":"comboBox","name":"Revision","label":"Revision","helpTexts":{"prefix":"","postfix":""},"spacing":{},"fullyQualifiedName":"Revision"},{"required":false,"type":"datePicker","name":"Date","label":"Date","helpTexts":{"prefix":"","postfix":""},"spacing":{},"fullyQualifiedName":"Date"},{"type":"heading","name":"FooterVisibilityOptions","label":"Footer Visibility Options","helpTexts":{"prefix":"","postfix":""},"spacing":{},"fullyQualifiedName":"FooterVisibilityOptions"},{"dataSource":"PPT FooterVisibility","displayColumn":"templateType","hideIfNoUserInteractionRequired":false,"distinct":true,"required":true,"autoSelectFirstOption":false,"defaultValue":"1","type":"dropDown","name":"TemplateType","label":"Is this a document or presentation?","helpTexts":{"prefix":"","postfix":""},"spacing":{},"fullyQualifiedName":"TemplateType"},{"dataSource":"PPT FooterVisibility","displayColumn":"docTitle_label","filter":{"column":"templateType","otherFieldName":"TemplateType","fullyQualifiedOtherFieldName":"TemplateType","otherFieldColumn":"TemplateType","formReference":"none","operator":"equals"},"hideIfNoUserInteractionRequired":false,"distinct":true,"required":false,"autoSelectFirstOption":true,"type":"dropDown","name":"DocTitle","label":"Show document title in footer?","helpTexts":{"prefix":"","postfix":""},"spacing":{},"fullyQualifiedName":"DocTitle"},{"dataSource":"PPT FooterVisibility","displayColumn":"totalPageNo_text","filter":{"column":"templateType","otherFieldName":"TemplateType","fullyQualifiedOtherFieldName":"TemplateType","otherFieldColumn":"TemplateType","formReference":"none","operator":"equals"},"hideIfNoUserInteractionRequired":false,"distinct":true,"required":false,"autoSelectFirstOption":true,"type":"dropDown","name":"TotalPageNo","label":"Page numbering","helpTexts":{"prefix":"","postfix":""},"spacing":{},"fullyQualifiedName":"TotalPageNo"},{"required":false,"placeholder":"","lines":0,"defaultValue":"{{UserProfile.Prepared}}","type":"textBox","name":"Prepared","label":"Prepared By (Subject Responsible)","helpTexts":{"prefix":"","postfix":""},"spacing":{},"fullyQualifiedName":"Prepared"},{"required":false,"placeholder":"","lines":0,"type":"textBox","name":"ApprovedBy","label":"Approved By (Document Responsible)","helpTexts":{"prefix":"","postfix":""},"spacing":{},"fullyQualifiedName":"ApprovedBy"},{"required":false,"placeholder":"","lines":0,"type":"textBox","name":"Checked","label":"Checked","helpTexts":{"prefix":"","postfix":""},"spacing":{},"fullyQualifiedName":"Checked"},{"required":false,"placeholder":"","lines":0,"type":"textBox","name":"Reference","label":"Reference","helpTexts":{"prefix":"","postfix":""},"spacing":{},"fullyQualifiedName":"Reference"},{"required":false,"placeholder":"","lines":0,"type":"textBox","name":"Keywords","label":"Keywords","helpTexts":{"prefix":"","postfix":""},"spacing":{},"fullyQualifiedName":"Keywords"}],"formDataEntries":[{"name":"DocumentTitle","value":"86hGZrp/Cm3oO5UJX6l14qHmcU8+TbLca/Tf1umHqEw="},{"name":"ConfidentialityClass","value":"cT/FOwTWaPknrhRlNMh4SQ=="},{"name":"ExternalConfidentialityLabel","value":"u2D/MG3wyuAQhkGvE2fPaA=="},{"name":"DocTypePresentation","value":"tzu6Hb53LEDFeaU5mCHMFQ=="},{"name":"LanguageCode","value":"5wlu7ZdPxHQj1W0w+yTNSg=="},{"name":"Revision","value":"6m1d9LG9UzmvsTZWoE7bdw=="},{"name":"Date","value":"aSa1EChX8dQnU+IjGafyQA=="},{"name":"TemplateType","value":"5wlu7ZdPxHQj1W0w+yTNSg=="},{"name":"DocTitle","value":"5wlu7ZdPxHQj1W0w+yTNSg=="},{"name":"TotalPageNo","value":"5wlu7ZdPxHQj1W0w+yTNSg=="},{"name":"Prepared","value":"MS7aj+61JzMOAzsIKYyJMp0rOjhIwZ7QJPL4NJ74T1A="}]}]]></TemplafyFormConfiguration>
+<TemplafySlideTemplateConfiguration><![CDATA[{"documentContentValidatorConfiguration":{"enableDocumentContentValidator":false,"documentContentValidatorVersion":0},"elementsMetadata":[],"slideId":"637260122995618811","enableDocumentContentUpdater":true,"version":"1.9"}]]></TemplafySlideTemplateConfiguration>
 </file>
 
 <file path=customXml/item37.xml><?xml version="1.0" encoding="utf-8"?>
-<TemplafySlideFormConfiguration><![CDATA[{"formFields":[],"formDataEntries":[]}]]></TemplafySlideFormConfiguration>
+<TemplafySlideTemplateConfiguration><![CDATA[{"documentContentValidatorConfiguration":{"enableDocumentContentValidator":false,"documentContentValidatorVersion":0},"elementsMetadata":[],"slideId":"637260122995618811","enableDocumentContentUpdater":true,"version":"1.9"}]]></TemplafySlideTemplateConfiguration>
 </file>
 
 <file path=customXml/item38.xml><?xml version="1.0" encoding="utf-8"?>
@@ -41584,7 +41590,7 @@
 </file>
 
 <file path=customXml/item39.xml><?xml version="1.0" encoding="utf-8"?>
-<TemplafySlideFormConfiguration><![CDATA[{"formFields":[],"formDataEntries":[]}]]></TemplafySlideFormConfiguration>
+<TemplafySlideTemplateConfiguration><![CDATA[{"documentContentValidatorConfiguration":{"enableDocumentContentValidator":false,"documentContentValidatorVersion":0},"elementsMetadata":[],"slideId":"637260122995618811","enableDocumentContentUpdater":true,"version":"1.9"}]]></TemplafySlideTemplateConfiguration>
 </file>
 
 <file path=customXml/item4.xml><?xml version="1.0" encoding="utf-8"?>
@@ -41596,15 +41602,15 @@
 </file>
 
 <file path=customXml/item41.xml><?xml version="1.0" encoding="utf-8"?>
+<TemplafySlideTemplateConfiguration><![CDATA[{"documentContentValidatorConfiguration":{"enableDocumentContentValidator":false,"documentContentValidatorVersion":0},"elementsMetadata":[],"slideId":"637260122995618811","enableDocumentContentUpdater":true,"version":"1.9"}]]></TemplafySlideTemplateConfiguration>
+</file>
+
+<file path=customXml/item42.xml><?xml version="1.0" encoding="utf-8"?>
 <TemplafySlideFormConfiguration><![CDATA[{"formFields":[],"formDataEntries":[]}]]></TemplafySlideFormConfiguration>
 </file>
 
-<file path=customXml/item42.xml><?xml version="1.0" encoding="utf-8"?>
-<TemplafySlideTemplateConfiguration><![CDATA[{"documentContentValidatorConfiguration":{"enableDocumentContentValidator":false,"documentContentValidatorVersion":0},"elementsMetadata":[],"slideId":"637260122995775076","enableDocumentContentUpdater":true,"version":"1.9"}]]></TemplafySlideTemplateConfiguration>
-</file>
-
 <file path=customXml/item43.xml><?xml version="1.0" encoding="utf-8"?>
-<TemplafySlideTemplateConfiguration><![CDATA[{"documentContentValidatorConfiguration":{"enableDocumentContentValidator":false,"documentContentValidatorVersion":0},"elementsMetadata":[],"slideId":"637260122995618811","enableDocumentContentUpdater":true,"version":"1.9"}]]></TemplafySlideTemplateConfiguration>
+<TemplafySlideFormConfiguration><![CDATA[{"formFields":[],"formDataEntries":[]}]]></TemplafySlideFormConfiguration>
 </file>
 
 <file path=customXml/item44.xml><?xml version="1.0" encoding="utf-8"?>
@@ -41616,7 +41622,7 @@
 </file>
 
 <file path=customXml/item46.xml><?xml version="1.0" encoding="utf-8"?>
-<TemplafySlideFormConfiguration><![CDATA[{"formFields":[],"formDataEntries":[]}]]></TemplafySlideFormConfiguration>
+<TemplafySlideTemplateConfiguration><![CDATA[{"documentContentValidatorConfiguration":{"enableDocumentContentValidator":false,"documentContentValidatorVersion":0},"elementsMetadata":[],"slideId":"637260122995618811","enableDocumentContentUpdater":true,"version":"1.9"}]]></TemplafySlideTemplateConfiguration>
 </file>
 
 <file path=customXml/item47.xml><?xml version="1.0" encoding="utf-8"?>
@@ -41624,7 +41630,7 @@
 </file>
 
 <file path=customXml/item48.xml><?xml version="1.0" encoding="utf-8"?>
-<TemplafySlideFormConfiguration><![CDATA[{"formFields":[],"formDataEntries":[]}]]></TemplafySlideFormConfiguration>
+<TemplafySlideTemplateConfiguration><![CDATA[{"documentContentValidatorConfiguration":{"enableDocumentContentValidator":false,"documentContentValidatorVersion":0},"elementsMetadata":[],"slideId":"637260122995618811","enableDocumentContentUpdater":true,"version":"1.9"}]]></TemplafySlideTemplateConfiguration>
 </file>
 
 <file path=customXml/item49.xml><?xml version="1.0" encoding="utf-8"?>
@@ -41636,11 +41642,11 @@
 </file>
 
 <file path=customXml/item50.xml><?xml version="1.0" encoding="utf-8"?>
-<TemplafySlideFormConfiguration><![CDATA[{"formFields":[],"formDataEntries":[]}]]></TemplafySlideFormConfiguration>
+<TemplafySlideTemplateConfiguration><![CDATA[{"documentContentValidatorConfiguration":{"enableDocumentContentValidator":false,"documentContentValidatorVersion":0},"elementsMetadata":[],"slideId":"637260122995618811","enableDocumentContentUpdater":true,"version":"1.9"}]]></TemplafySlideTemplateConfiguration>
 </file>
 
 <file path=customXml/item51.xml><?xml version="1.0" encoding="utf-8"?>
-<TemplafySlideTemplateConfiguration><![CDATA[{"documentContentValidatorConfiguration":{"enableDocumentContentValidator":false,"documentContentValidatorVersion":0},"elementsMetadata":[],"slideId":"637260122995618811","enableDocumentContentUpdater":true,"version":"1.9"}]]></TemplafySlideTemplateConfiguration>
+<TemplafySlideFormConfiguration><![CDATA[{"formFields":[],"formDataEntries":[]}]]></TemplafySlideFormConfiguration>
 </file>
 
 <file path=customXml/item52.xml><?xml version="1.0" encoding="utf-8"?>
@@ -41648,7 +41654,7 @@
 </file>
 
 <file path=customXml/item53.xml><?xml version="1.0" encoding="utf-8"?>
-<TemplafySlideTemplateConfiguration><![CDATA[{"documentContentValidatorConfiguration":{"enableDocumentContentValidator":false,"documentContentValidatorVersion":0},"elementsMetadata":[],"slideId":"637260122995618811","enableDocumentContentUpdater":true,"version":"1.9"}]]></TemplafySlideTemplateConfiguration>
+<TemplafySlideFormConfiguration><![CDATA[{"formFields":[],"formDataEntries":[]}]]></TemplafySlideFormConfiguration>
 </file>
 
 <file path=customXml/item54.xml><?xml version="1.0" encoding="utf-8"?>
@@ -41660,7 +41666,7 @@
 </file>
 
 <file path=customXml/item56.xml><?xml version="1.0" encoding="utf-8"?>
-<TemplafySlideTemplateConfiguration><![CDATA[{"documentContentValidatorConfiguration":{"enableDocumentContentValidator":false,"documentContentValidatorVersion":0},"elementsMetadata":[],"slideId":"637260122995618811","enableDocumentContentUpdater":true,"version":"1.9"}]]></TemplafySlideTemplateConfiguration>
+<TemplafySlideFormConfiguration><![CDATA[{"formFields":[],"formDataEntries":[]}]]></TemplafySlideFormConfiguration>
 </file>
 
 <file path=customXml/item57.xml><?xml version="1.0" encoding="utf-8"?>
@@ -41668,7 +41674,7 @@
 </file>
 
 <file path=customXml/item58.xml><?xml version="1.0" encoding="utf-8"?>
-<TemplafySlideTemplateConfiguration><![CDATA[{"documentContentValidatorConfiguration":{"enableDocumentContentValidator":false,"documentContentValidatorVersion":0},"elementsMetadata":[],"slideId":"637260122995618811","enableDocumentContentUpdater":true,"version":"1.9"}]]></TemplafySlideTemplateConfiguration>
+<TemplafySlideFormConfiguration><![CDATA[{"formFields":[],"formDataEntries":[]}]]></TemplafySlideFormConfiguration>
 </file>
 
 <file path=customXml/item59.xml><?xml version="1.0" encoding="utf-8"?>
@@ -41676,15 +41682,15 @@
 </file>
 
 <file path=customXml/item6.xml><?xml version="1.0" encoding="utf-8"?>
-<TemplafySlideFormConfiguration><![CDATA[{"formFields":[],"formDataEntries":[]}]]></TemplafySlideFormConfiguration>
+<TemplafySlideTemplateConfiguration><![CDATA[{"documentContentValidatorConfiguration":{"enableDocumentContentValidator":false,"documentContentValidatorVersion":0},"elementsMetadata":[],"slideId":"637260122995618811","enableDocumentContentUpdater":true,"version":"1.9"}]]></TemplafySlideTemplateConfiguration>
 </file>
 
 <file path=customXml/item60.xml><?xml version="1.0" encoding="utf-8"?>
-<TemplafySlideFormConfiguration><![CDATA[{"formFields":[],"formDataEntries":[]}]]></TemplafySlideFormConfiguration>
+<TemplafySlideTemplateConfiguration><![CDATA[{"documentContentValidatorConfiguration":{"enableDocumentContentValidator":false,"documentContentValidatorVersion":0},"elementsMetadata":[],"slideId":"637260122995618811","enableDocumentContentUpdater":true,"version":"1.9"}]]></TemplafySlideTemplateConfiguration>
 </file>
 
 <file path=customXml/item61.xml><?xml version="1.0" encoding="utf-8"?>
-<TemplafySlideTemplateConfiguration><![CDATA[{"documentContentValidatorConfiguration":{"enableDocumentContentValidator":false,"documentContentValidatorVersion":0},"elementsMetadata":[],"slideId":"637260122995618811","enableDocumentContentUpdater":true,"version":"1.9"}]]></TemplafySlideTemplateConfiguration>
+<TemplafySlideTemplateConfiguration><![CDATA[{"documentContentValidatorConfiguration":{"enableDocumentContentValidator":false,"documentContentValidatorVersion":0},"elementsMetadata":[],"slideId":"637260122995775076","enableDocumentContentUpdater":true,"version":"1.9"}]]></TemplafySlideTemplateConfiguration>
 </file>
 
 <file path=customXml/item62.xml><?xml version="1.0" encoding="utf-8"?>
@@ -41692,7 +41698,7 @@
 </file>
 
 <file path=customXml/item63.xml><?xml version="1.0" encoding="utf-8"?>
-<TemplafySlideFormConfiguration><![CDATA[{"formFields":[],"formDataEntries":[]}]]></TemplafySlideFormConfiguration>
+<TemplafySlideTemplateConfiguration><![CDATA[{"documentContentValidatorConfiguration":{"enableDocumentContentValidator":false,"documentContentValidatorVersion":0},"elementsMetadata":[],"slideId":"637260122995618811","enableDocumentContentUpdater":true,"version":"1.9"}]]></TemplafySlideTemplateConfiguration>
 </file>
 
 <file path=customXml/item64.xml><?xml version="1.0" encoding="utf-8"?>
@@ -41704,11 +41710,11 @@
 </file>
 
 <file path=customXml/item66.xml><?xml version="1.0" encoding="utf-8"?>
-<TemplafySlideTemplateConfiguration><![CDATA[{"documentContentValidatorConfiguration":{"enableDocumentContentValidator":false,"documentContentValidatorVersion":0},"elementsMetadata":[],"slideId":"637260122995618811","enableDocumentContentUpdater":true,"version":"1.9"}]]></TemplafySlideTemplateConfiguration>
+<TemplafySlideFormConfiguration><![CDATA[{"formFields":[],"formDataEntries":[]}]]></TemplafySlideFormConfiguration>
 </file>
 
 <file path=customXml/item67.xml><?xml version="1.0" encoding="utf-8"?>
-<TemplafySlideFormConfiguration><![CDATA[{"formFields":[],"formDataEntries":[]}]]></TemplafySlideFormConfiguration>
+<TemplafySlideTemplateConfiguration><![CDATA[{"documentContentValidatorConfiguration":{"enableDocumentContentValidator":false,"documentContentValidatorVersion":0},"elementsMetadata":[],"slideId":"637260122995618811","enableDocumentContentUpdater":true,"version":"1.9"}]]></TemplafySlideTemplateConfiguration>
 </file>
 
 <file path=customXml/item68.xml><?xml version="1.0" encoding="utf-8"?>
@@ -41720,7 +41726,7 @@
 </file>
 
 <file path=customXml/item7.xml><?xml version="1.0" encoding="utf-8"?>
-<TemplafySlideTemplateConfiguration><![CDATA[{"documentContentValidatorConfiguration":{"enableDocumentContentValidator":false,"documentContentValidatorVersion":0},"elementsMetadata":[],"slideId":"637260122995618811","enableDocumentContentUpdater":true,"version":"1.9"}]]></TemplafySlideTemplateConfiguration>
+<TemplafySlideFormConfiguration><![CDATA[{"formFields":[],"formDataEntries":[]}]]></TemplafySlideFormConfiguration>
 </file>
 
 <file path=customXml/item70.xml><?xml version="1.0" encoding="utf-8"?>
@@ -41728,11 +41734,11 @@
 </file>
 
 <file path=customXml/item71.xml><?xml version="1.0" encoding="utf-8"?>
-<TemplafySlideFormConfiguration><![CDATA[{"formFields":[],"formDataEntries":[]}]]></TemplafySlideFormConfiguration>
+<TemplafySlideTemplateConfiguration><![CDATA[{"documentContentValidatorConfiguration":{"enableDocumentContentValidator":false,"documentContentValidatorVersion":0},"elementsMetadata":[],"slideId":"637260122995618811","enableDocumentContentUpdater":true,"version":"1.9"}]]></TemplafySlideTemplateConfiguration>
 </file>
 
 <file path=customXml/item72.xml><?xml version="1.0" encoding="utf-8"?>
-<TemplafySlideTemplateConfiguration><![CDATA[{"documentContentValidatorConfiguration":{"enableDocumentContentValidator":false,"documentContentValidatorVersion":0},"elementsMetadata":[],"slideId":"637260122995618811","enableDocumentContentUpdater":true,"version":"1.9"}]]></TemplafySlideTemplateConfiguration>
+<TemplafySlideFormConfiguration><![CDATA[{"formFields":[],"formDataEntries":[]}]]></TemplafySlideFormConfiguration>
 </file>
 
 <file path=customXml/item73.xml><?xml version="1.0" encoding="utf-8"?>
@@ -41740,11 +41746,11 @@
 </file>
 
 <file path=customXml/item74.xml><?xml version="1.0" encoding="utf-8"?>
-<TemplafySlideTemplateConfiguration><![CDATA[{"documentContentValidatorConfiguration":{"enableDocumentContentValidator":false,"documentContentValidatorVersion":0},"elementsMetadata":[],"slideId":"637260122995618811","enableDocumentContentUpdater":true,"version":"1.9"}]]></TemplafySlideTemplateConfiguration>
+<TemplafySlideFormConfiguration><![CDATA[{"formFields":[],"formDataEntries":[]}]]></TemplafySlideFormConfiguration>
 </file>
 
 <file path=customXml/item75.xml><?xml version="1.0" encoding="utf-8"?>
-<TemplafyTemplateConfiguration><![CDATA[{"elementsMetadata":[{"type":"shape","id":"d255cab8-5236-4411-88e4-8e895fe378df","elementConfiguration":{"inheritDimensions":"inheritNone","height":"1.34 cm","binding":"Form.LogoInsertion.Pplogoname","disableUpdates":false,"type":"image"}}],"transformationConfigurations":[{"language":"{{DocumentLanguage}}","disableUpdates":false,"type":"proofingLanguage"},{"propertyName":"FooterText","propertyValue":"true","disableUpdates":false,"type":"customDocumentProperty"},{"propertyName":"SecurityClass","propertyValue":"{{Form.ConfidentialityClass.Confidentiality}}","disableUpdates":false,"type":"customDocumentProperty"},{"propertyName":"ExtConf","propertyValue":"{{Form.ExternalConfidentialityLabel.ExternalConfidentiality}}","disableUpdates":false,"type":"customDocumentProperty"},{"propertyName":"Prepared","propertyValue":"{{Form.Prepared}}","disableUpdates":false,"type":"customDocumentProperty"},{"propertyName":"ApprovedBy","propertyValue":"{{Form.ApprovedBy}}","disableUpdates":false,"type":"customDocumentProperty"},{"propertyName":"DocNo","propertyValue":"{{Form.DocumentNumber}} {{Form.LanguageCode.LanguageCode}}","disableUpdates":false,"type":"customDocumentProperty"},{"propertyName":"Checked","propertyValue":"{{Form.Checked}}","disableUpdates":false,"type":"customDocumentProperty"},{"propertyName":"Date","propertyValue":"{{Form.Date}}","disableUpdates":false,"type":"customDocumentProperty"},{"propertyName":"Reference","propertyValue":"{{Form.Reference}}","disableUpdates":false,"type":"customDocumentProperty"},{"propertyName":"Title","propertyValue":"{{Form.DocumentTitle}}","disableUpdates":false,"type":"customDocumentProperty"},{"propertyName":"Keyword","propertyValue":"{{Form.Keywords}}","disableUpdates":false,"type":"customDocumentProperty"},{"propertyName":"DocumentType","propertyValue":"Presentation2011","disableUpdates":false,"type":"customDocumentProperty"},{"propertyName":"Language","propertyValue":"EnglishUS","disableUpdates":false,"type":"customDocumentProperty"},{"propertyName":"TemplateID","propertyValue":"FALSE","disableUpdates":false,"type":"customDocumentProperty"},{"propertyName":"ConfCtrl","propertyValue":"FALSE","disableUpdates":false,"type":"customDocumentProperty"},{"propertyName":"title","propertyValue":"{{Form.DocumentTitle}}","disableUpdates":false,"type":"documentProperty"},{"propertyName":"keywords","propertyValue":"{{Form.Keywords}}","disableUpdates":false,"type":"documentProperty"},{"propertyName":"creator","propertyValue":"{{Form.Prepared}}","disableUpdates":false,"type":"documentProperty"},{"propertyName":"DocTitle","propertyValue":"{{Form.DocTitle.DocTitle}}","disableUpdates":false,"type":"customDocumentProperty"},{"propertyName":"IsDocument","propertyValue":"{{Form.TemplateType.IsDocument}}","disableUpdates":false,"type":"customDocumentProperty"},{"propertyName":"IsPresentation","propertyValue":"{{Form.TemplateType.IsPresentation}}","disableUpdates":false,"type":"customDocumentProperty"},{"propertyName":"company","propertyValue":"Ericsson","disableUpdates":false,"type":"documentProperty"},{"propertyName":"PageNumberVisible","propertyValue":"{{Form.TotalPageNo.TotalPageNo_value}}","disableUpdates":false,"type":"customDocumentProperty"},{"propertyName":"Revision","propertyValue":"{{Form.Revision}}","disableUpdates":false,"type":"customDocumentProperty"},{"propertyName":"DocType","propertyValue":"{{Form.DocTypePresentation}}","disableUpdates":false,"type":"customDocumentProperty"},{"propertyName":"TemplateVersion","propertyValue":"R2A","disableUpdates":false,"type":"customDocumentProperty"},{"propertyName":"PackageNo","propertyValue":"LXA 119 603","disableUpdates":false,"type":"customDocumentProperty"},{"propertyName":"PackageVersion","propertyValue":"R6B","disableUpdates":false,"type":"customDocumentProperty"},{"propertyName":"TemplateName","propertyValue":"CXC 173 2731/1","disableUpdates":false,"type":"customDocumentProperty"},{"propertyName":"DocName","propertyValue":" ","disableUpdates":false,"type":"customDocumentProperty"},{"propertyName":"description","propertyValue":"{{Form.DocumentNumber}} {{Form.LanguageCode.LanguageCode}}\nRev {{Form.Revision}}","disableUpdates":false,"type":"documentProperty"}],"templateName":"New presentation (Standard landscape)","templateDescription":"","enableDocumentContentUpdater":true,"version":"1.9"}]]></TemplafyTemplateConfiguration>
+<TemplafySlideFormConfiguration><![CDATA[{"formFields":[],"formDataEntries":[]}]]></TemplafySlideFormConfiguration>
 </file>
 
 <file path=customXml/item76.xml><?xml version="1.0" encoding="utf-8"?>
@@ -41752,27 +41758,27 @@
 </file>
 
 <file path=customXml/item77.xml><?xml version="1.0" encoding="utf-8"?>
+<TemplafySlideFormConfiguration><![CDATA[{"formFields":[],"formDataEntries":[]}]]></TemplafySlideFormConfiguration>
+</file>
+
+<file path=customXml/item78.xml><?xml version="1.0" encoding="utf-8"?>
 <TemplafySlideTemplateConfiguration><![CDATA[{"documentContentValidatorConfiguration":{"enableDocumentContentValidator":false,"documentContentValidatorVersion":0},"elementsMetadata":[],"slideId":"637260122995618811","enableDocumentContentUpdater":true,"version":"1.9"}]]></TemplafySlideTemplateConfiguration>
 </file>
 
-<file path=customXml/item78.xml><?xml version="1.0" encoding="utf-8"?>
+<file path=customXml/item79.xml><?xml version="1.0" encoding="utf-8"?>
+<TemplafyTemplateConfiguration><![CDATA[{"elementsMetadata":[{"type":"shape","id":"d255cab8-5236-4411-88e4-8e895fe378df","elementConfiguration":{"inheritDimensions":"inheritNone","height":"1.34 cm","binding":"Form.LogoInsertion.Pplogoname","disableUpdates":false,"type":"image"}}],"transformationConfigurations":[{"language":"{{DocumentLanguage}}","disableUpdates":false,"type":"proofingLanguage"},{"propertyName":"FooterText","propertyValue":"true","disableUpdates":false,"type":"customDocumentProperty"},{"propertyName":"SecurityClass","propertyValue":"{{Form.ConfidentialityClass.Confidentiality}}","disableUpdates":false,"type":"customDocumentProperty"},{"propertyName":"ExtConf","propertyValue":"{{Form.ExternalConfidentialityLabel.ExternalConfidentiality}}","disableUpdates":false,"type":"customDocumentProperty"},{"propertyName":"Prepared","propertyValue":"{{Form.Prepared}}","disableUpdates":false,"type":"customDocumentProperty"},{"propertyName":"ApprovedBy","propertyValue":"{{Form.ApprovedBy}}","disableUpdates":false,"type":"customDocumentProperty"},{"propertyName":"DocNo","propertyValue":"{{Form.DocumentNumber}} {{Form.LanguageCode.LanguageCode}}","disableUpdates":false,"type":"customDocumentProperty"},{"propertyName":"Checked","propertyValue":"{{Form.Checked}}","disableUpdates":false,"type":"customDocumentProperty"},{"propertyName":"Date","propertyValue":"{{Form.Date}}","disableUpdates":false,"type":"customDocumentProperty"},{"propertyName":"Reference","propertyValue":"{{Form.Reference}}","disableUpdates":false,"type":"customDocumentProperty"},{"propertyName":"Title","propertyValue":"{{Form.DocumentTitle}}","disableUpdates":false,"type":"customDocumentProperty"},{"propertyName":"Keyword","propertyValue":"{{Form.Keywords}}","disableUpdates":false,"type":"customDocumentProperty"},{"propertyName":"DocumentType","propertyValue":"Presentation2011","disableUpdates":false,"type":"customDocumentProperty"},{"propertyName":"Language","propertyValue":"EnglishUS","disableUpdates":false,"type":"customDocumentProperty"},{"propertyName":"TemplateID","propertyValue":"FALSE","disableUpdates":false,"type":"customDocumentProperty"},{"propertyName":"ConfCtrl","propertyValue":"FALSE","disableUpdates":false,"type":"customDocumentProperty"},{"propertyName":"title","propertyValue":"{{Form.DocumentTitle}}","disableUpdates":false,"type":"documentProperty"},{"propertyName":"keywords","propertyValue":"{{Form.Keywords}}","disableUpdates":false,"type":"documentProperty"},{"propertyName":"creator","propertyValue":"{{Form.Prepared}}","disableUpdates":false,"type":"documentProperty"},{"propertyName":"DocTitle","propertyValue":"{{Form.DocTitle.DocTitle}}","disableUpdates":false,"type":"customDocumentProperty"},{"propertyName":"IsDocument","propertyValue":"{{Form.TemplateType.IsDocument}}","disableUpdates":false,"type":"customDocumentProperty"},{"propertyName":"IsPresentation","propertyValue":"{{Form.TemplateType.IsPresentation}}","disableUpdates":false,"type":"customDocumentProperty"},{"propertyName":"company","propertyValue":"Ericsson","disableUpdates":false,"type":"documentProperty"},{"propertyName":"PageNumberVisible","propertyValue":"{{Form.TotalPageNo.TotalPageNo_value}}","disableUpdates":false,"type":"customDocumentProperty"},{"propertyName":"Revision","propertyValue":"{{Form.Revision}}","disableUpdates":false,"type":"customDocumentProperty"},{"propertyName":"DocType","propertyValue":"{{Form.DocTypePresentation}}","disableUpdates":false,"type":"customDocumentProperty"},{"propertyName":"TemplateVersion","propertyValue":"R2A","disableUpdates":false,"type":"customDocumentProperty"},{"propertyName":"PackageNo","propertyValue":"LXA 119 603","disableUpdates":false,"type":"customDocumentProperty"},{"propertyName":"PackageVersion","propertyValue":"R6B","disableUpdates":false,"type":"customDocumentProperty"},{"propertyName":"TemplateName","propertyValue":"CXC 173 2731/1","disableUpdates":false,"type":"customDocumentProperty"},{"propertyName":"DocName","propertyValue":" ","disableUpdates":false,"type":"customDocumentProperty"},{"propertyName":"description","propertyValue":"{{Form.DocumentNumber}} {{Form.LanguageCode.LanguageCode}}\nRev {{Form.Revision}}","disableUpdates":false,"type":"documentProperty"}],"templateName":"New presentation (Standard landscape)","templateDescription":"","enableDocumentContentUpdater":true,"version":"1.9"}]]></TemplafyTemplateConfiguration>
+</file>
+
+<file path=customXml/item8.xml><?xml version="1.0" encoding="utf-8"?>
+<TemplafySlideTemplateConfiguration><![CDATA[{"documentContentValidatorConfiguration":{"enableDocumentContentValidator":false,"documentContentValidatorVersion":0},"elementsMetadata":[],"slideId":"637260122995618811","enableDocumentContentUpdater":true,"version":"1.9"}]]></TemplafySlideTemplateConfiguration>
+</file>
+
+<file path=customXml/item80.xml><?xml version="1.0" encoding="utf-8"?>
 <TemplafySlideFormConfiguration><![CDATA[{"formFields":[],"formDataEntries":[]}]]></TemplafySlideFormConfiguration>
 </file>
 
-<file path=customXml/item79.xml><?xml version="1.0" encoding="utf-8"?>
-<TemplafySlideTemplateConfiguration><![CDATA[{"documentContentValidatorConfiguration":{"enableDocumentContentValidator":false,"documentContentValidatorVersion":0},"elementsMetadata":[],"slideId":"637260122995618811","enableDocumentContentUpdater":true,"version":"1.9"}]]></TemplafySlideTemplateConfiguration>
-</file>
-
-<file path=customXml/item8.xml><?xml version="1.0" encoding="utf-8"?>
-<TemplafySlideFormConfiguration><![CDATA[{"formFields":[],"formDataEntries":[]}]]></TemplafySlideFormConfiguration>
-</file>
-
-<file path=customXml/item80.xml><?xml version="1.0" encoding="utf-8"?>
-<TemplafySlideTemplateConfiguration><![CDATA[{"documentContentValidatorConfiguration":{"enableDocumentContentValidator":false,"documentContentValidatorVersion":0},"elementsMetadata":[],"slideId":"637260122995618811","enableDocumentContentUpdater":true,"version":"1.9"}]]></TemplafySlideTemplateConfiguration>
-</file>
-
 <file path=customXml/item81.xml><?xml version="1.0" encoding="utf-8"?>
-<TemplafySlideTemplateConfiguration><![CDATA[{"documentContentValidatorConfiguration":{"enableDocumentContentValidator":false,"documentContentValidatorVersion":0},"elementsMetadata":[],"slideId":"637260122995618811","enableDocumentContentUpdater":true,"version":"1.9"}]]></TemplafySlideTemplateConfiguration>
+<TemplafySlideTemplateConfiguration><![CDATA[{"documentContentValidatorConfiguration":{"enableDocumentContentValidator":false,"documentContentValidatorVersion":0},"elementsMetadata":[],"slideId":"637260122995462646","enableDocumentContentUpdater":true,"version":"1.9"}]]></TemplafySlideTemplateConfiguration>
 </file>
 
 <file path=customXml/item82.xml><?xml version="1.0" encoding="utf-8"?>
@@ -41784,7 +41790,7 @@
 </file>
 
 <file path=customXml/item84.xml><?xml version="1.0" encoding="utf-8"?>
-<TemplafySlideTemplateConfiguration><![CDATA[{"documentContentValidatorConfiguration":{"enableDocumentContentValidator":false,"documentContentValidatorVersion":0},"elementsMetadata":[],"slideId":"637260122995618811","enableDocumentContentUpdater":true,"version":"1.9"}]]></TemplafySlideTemplateConfiguration>
+<TemplafySlideFormConfiguration><![CDATA[{"formFields":[],"formDataEntries":[]}]]></TemplafySlideFormConfiguration>
 </file>
 
 <file path=customXml/item85.xml><?xml version="1.0" encoding="utf-8"?>
@@ -41796,15 +41802,15 @@
 </file>
 
 <file path=customXml/item87.xml><?xml version="1.0" encoding="utf-8"?>
-<TemplafySlideTemplateConfiguration><![CDATA[{"documentContentValidatorConfiguration":{"enableDocumentContentValidator":false,"documentContentValidatorVersion":0},"elementsMetadata":[],"slideId":"637260122995618811","enableDocumentContentUpdater":true,"version":"1.9"}]]></TemplafySlideTemplateConfiguration>
+<TemplafySlideTemplateConfiguration><![CDATA[{"elementsMetadata":[],"documentContentValidatorConfiguration":{"enableDocumentContentValidator":false,"documentContentValidatorVersion":0},"slideId":"637027476704980324","enableDocumentContentUpdater":true,"version":"1.9"}]]></TemplafySlideTemplateConfiguration>
 </file>
 
 <file path=customXml/item88.xml><?xml version="1.0" encoding="utf-8"?>
-<TemplafySlideTemplateConfiguration><![CDATA[{"documentContentValidatorConfiguration":{"enableDocumentContentValidator":false,"documentContentValidatorVersion":0},"elementsMetadata":[],"slideId":"637260122995618811","enableDocumentContentUpdater":true,"version":"1.9"}]]></TemplafySlideTemplateConfiguration>
+<TemplafySlideFormConfiguration><![CDATA[{"formFields":[],"formDataEntries":[]}]]></TemplafySlideFormConfiguration>
 </file>
 
 <file path=customXml/item89.xml><?xml version="1.0" encoding="utf-8"?>
-<TemplafySlideFormConfiguration><![CDATA[{"formFields":[],"formDataEntries":[]}]]></TemplafySlideFormConfiguration>
+<TemplafySlideTemplateConfiguration><![CDATA[{"documentContentValidatorConfiguration":{"enableDocumentContentValidator":false,"documentContentValidatorVersion":0},"elementsMetadata":[],"slideId":"637260122995618811","enableDocumentContentUpdater":true,"version":"1.9"}]]></TemplafySlideTemplateConfiguration>
 </file>
 
 <file path=customXml/item9.xml><?xml version="1.0" encoding="utf-8"?>
@@ -41812,7 +41818,7 @@
 </file>
 
 <file path=customXml/item90.xml><?xml version="1.0" encoding="utf-8"?>
-<TemplafySlideTemplateConfiguration><![CDATA[{"documentContentValidatorConfiguration":{"enableDocumentContentValidator":false,"documentContentValidatorVersion":0},"elementsMetadata":[],"slideId":"637260122995618811","enableDocumentContentUpdater":true,"version":"1.9"}]]></TemplafySlideTemplateConfiguration>
+<TemplafySlideFormConfiguration><![CDATA[{"formFields":[],"formDataEntries":[]}]]></TemplafySlideFormConfiguration>
 </file>
 
 <file path=customXml/item91.xml><?xml version="1.0" encoding="utf-8"?>
@@ -41836,7 +41842,7 @@
 </file>
 
 <file path=customXml/item96.xml><?xml version="1.0" encoding="utf-8"?>
-<TemplafySlideTemplateConfiguration><![CDATA[{"documentContentValidatorConfiguration":{"enableDocumentContentValidator":false,"documentContentValidatorVersion":0},"elementsMetadata":[],"slideId":"637260122995618811","enableDocumentContentUpdater":true,"version":"1.9"}]]></TemplafySlideTemplateConfiguration>
+<TemplafySlideFormConfiguration><![CDATA[{"formFields":[],"formDataEntries":[]}]]></TemplafySlideFormConfiguration>
 </file>
 
 <file path=customXml/item97.xml><?xml version="1.0" encoding="utf-8"?>
@@ -41844,7 +41850,7 @@
 </file>
 
 <file path=customXml/item98.xml><?xml version="1.0" encoding="utf-8"?>
-<TemplafySlideFormConfiguration><![CDATA[{"formFields":[],"formDataEntries":[]}]]></TemplafySlideFormConfiguration>
+<TemplafySlideTemplateConfiguration><![CDATA[{"documentContentValidatorConfiguration":{"enableDocumentContentValidator":false,"documentContentValidatorVersion":0},"elementsMetadata":[],"slideId":"637260122995618811","enableDocumentContentUpdater":true,"version":"1.9"}]]></TemplafySlideTemplateConfiguration>
 </file>
 
 <file path=customXml/item99.xml><?xml version="1.0" encoding="utf-8"?>
@@ -41852,30 +41858,60 @@
 </file>
 
 <file path=customXml/itemProps1.xml><?xml version="1.0" encoding="utf-8"?>
-<ds:datastoreItem xmlns:ds="http://schemas.openxmlformats.org/officeDocument/2006/customXml" ds:itemID="{EEF98F72-31AA-4885-AFDD-F73C7DD469A0}">
+<ds:datastoreItem xmlns:ds="http://schemas.openxmlformats.org/officeDocument/2006/customXml" ds:itemID="{4CA4D464-76EF-4976-A469-913836041FC2}">
   <ds:schemaRefs/>
 </ds:datastoreItem>
 </file>
 
 <file path=customXml/itemProps10.xml><?xml version="1.0" encoding="utf-8"?>
-<ds:datastoreItem xmlns:ds="http://schemas.openxmlformats.org/officeDocument/2006/customXml" ds:itemID="{7D076754-FCEC-4ACF-AB53-2A35D36CBF05}">
+<ds:datastoreItem xmlns:ds="http://schemas.openxmlformats.org/officeDocument/2006/customXml" ds:itemID="{BBB238E6-43EF-4824-8097-49154690D103}">
   <ds:schemaRefs/>
 </ds:datastoreItem>
 </file>
 
 <file path=customXml/itemProps100.xml><?xml version="1.0" encoding="utf-8"?>
-<ds:datastoreItem xmlns:ds="http://schemas.openxmlformats.org/officeDocument/2006/customXml" ds:itemID="{AB3379C1-BA4E-46BD-AAE3-7A87CC7DACBC}">
+<ds:datastoreItem xmlns:ds="http://schemas.openxmlformats.org/officeDocument/2006/customXml" ds:itemID="{5E0A4EC4-E13A-4234-884D-D2A388005301}">
   <ds:schemaRefs/>
 </ds:datastoreItem>
 </file>
 
 <file path=customXml/itemProps101.xml><?xml version="1.0" encoding="utf-8"?>
-<ds:datastoreItem xmlns:ds="http://schemas.openxmlformats.org/officeDocument/2006/customXml" ds:itemID="{FA3607CD-788B-459B-A144-2973FE3277DC}">
+<ds:datastoreItem xmlns:ds="http://schemas.openxmlformats.org/officeDocument/2006/customXml" ds:itemID="{2BC4599F-87B5-4C8F-BBCF-84EA289602F6}">
   <ds:schemaRefs/>
 </ds:datastoreItem>
 </file>
 
 <file path=customXml/itemProps102.xml><?xml version="1.0" encoding="utf-8"?>
+<ds:datastoreItem xmlns:ds="http://schemas.openxmlformats.org/officeDocument/2006/customXml" ds:itemID="{98CBEC4F-4212-4DDD-BBFE-9597B688EEF5}">
+  <ds:schemaRefs/>
+</ds:datastoreItem>
+</file>
+
+<file path=customXml/itemProps103.xml><?xml version="1.0" encoding="utf-8"?>
+<ds:datastoreItem xmlns:ds="http://schemas.openxmlformats.org/officeDocument/2006/customXml" ds:itemID="{98F4E21C-EEC3-499F-9529-3320C90701D6}">
+  <ds:schemaRefs/>
+</ds:datastoreItem>
+</file>
+
+<file path=customXml/itemProps104.xml><?xml version="1.0" encoding="utf-8"?>
+<ds:datastoreItem xmlns:ds="http://schemas.openxmlformats.org/officeDocument/2006/customXml" ds:itemID="{D72AD174-A5D3-435E-B133-40AF39B01261}">
+  <ds:schemaRefs/>
+</ds:datastoreItem>
+</file>
+
+<file path=customXml/itemProps105.xml><?xml version="1.0" encoding="utf-8"?>
+<ds:datastoreItem xmlns:ds="http://schemas.openxmlformats.org/officeDocument/2006/customXml" ds:itemID="{873D36AC-6CA0-46E3-8382-4DBD0F0E928B}">
+  <ds:schemaRefs/>
+</ds:datastoreItem>
+</file>
+
+<file path=customXml/itemProps106.xml><?xml version="1.0" encoding="utf-8"?>
+<ds:datastoreItem xmlns:ds="http://schemas.openxmlformats.org/officeDocument/2006/customXml" ds:itemID="{335D1378-9509-45D4-A2B4-76EE025CF63B}">
+  <ds:schemaRefs/>
+</ds:datastoreItem>
+</file>
+
+<file path=customXml/itemProps107.xml><?xml version="1.0" encoding="utf-8"?>
 <ds:datastoreItem xmlns:ds="http://schemas.openxmlformats.org/officeDocument/2006/customXml" ds:itemID="{56F2EE69-0CCA-4F48-BE22-EC4A886C57A7}">
   <ds:schemaRefs>
     <ds:schemaRef ds:uri="http://schemas.microsoft.com/office/2006/documentManagement/types"/>
@@ -41892,36 +41928,6 @@
 </ds:datastoreItem>
 </file>
 
-<file path=customXml/itemProps103.xml><?xml version="1.0" encoding="utf-8"?>
-<ds:datastoreItem xmlns:ds="http://schemas.openxmlformats.org/officeDocument/2006/customXml" ds:itemID="{9BCC0112-165B-4304-B86E-29468689B88A}">
-  <ds:schemaRefs/>
-</ds:datastoreItem>
-</file>
-
-<file path=customXml/itemProps104.xml><?xml version="1.0" encoding="utf-8"?>
-<ds:datastoreItem xmlns:ds="http://schemas.openxmlformats.org/officeDocument/2006/customXml" ds:itemID="{E1784C58-DC59-48B0-A57B-E57758623B39}">
-  <ds:schemaRefs/>
-</ds:datastoreItem>
-</file>
-
-<file path=customXml/itemProps105.xml><?xml version="1.0" encoding="utf-8"?>
-<ds:datastoreItem xmlns:ds="http://schemas.openxmlformats.org/officeDocument/2006/customXml" ds:itemID="{D55CA5CC-D938-4611-8359-380843584576}">
-  <ds:schemaRefs/>
-</ds:datastoreItem>
-</file>
-
-<file path=customXml/itemProps106.xml><?xml version="1.0" encoding="utf-8"?>
-<ds:datastoreItem xmlns:ds="http://schemas.openxmlformats.org/officeDocument/2006/customXml" ds:itemID="{57A985C1-0E4B-44F2-9A8B-3EF4CC362D67}">
-  <ds:schemaRefs/>
-</ds:datastoreItem>
-</file>
-
-<file path=customXml/itemProps107.xml><?xml version="1.0" encoding="utf-8"?>
-<ds:datastoreItem xmlns:ds="http://schemas.openxmlformats.org/officeDocument/2006/customXml" ds:itemID="{7E8ADA11-2CB7-4168-80FB-577BF6EE71F8}">
-  <ds:schemaRefs/>
-</ds:datastoreItem>
-</file>
-
 <file path=customXml/itemProps108.xml><?xml version="1.0" encoding="utf-8"?>
 <ds:datastoreItem xmlns:ds="http://schemas.openxmlformats.org/officeDocument/2006/customXml" ds:itemID="{AA8788E0-3363-447E-9276-A8B06746C185}">
   <ds:schemaRefs/>
@@ -41929,68 +41935,144 @@
 </file>
 
 <file path=customXml/itemProps109.xml><?xml version="1.0" encoding="utf-8"?>
-<ds:datastoreItem xmlns:ds="http://schemas.openxmlformats.org/officeDocument/2006/customXml" ds:itemID="{F9EA4199-0422-4413-A754-2C125F2EC711}">
+<ds:datastoreItem xmlns:ds="http://schemas.openxmlformats.org/officeDocument/2006/customXml" ds:itemID="{58CC0B31-82B9-497A-9A2E-F3F72D0BBDAD}">
   <ds:schemaRefs/>
 </ds:datastoreItem>
 </file>
 
 <file path=customXml/itemProps11.xml><?xml version="1.0" encoding="utf-8"?>
-<ds:datastoreItem xmlns:ds="http://schemas.openxmlformats.org/officeDocument/2006/customXml" ds:itemID="{FF27C676-337F-4BE0-8809-1BDF4A5C161F}">
+<ds:datastoreItem xmlns:ds="http://schemas.openxmlformats.org/officeDocument/2006/customXml" ds:itemID="{9DD08200-6D97-4E27-99BF-24D55D16ED6E}">
   <ds:schemaRefs/>
 </ds:datastoreItem>
 </file>
 
 <file path=customXml/itemProps110.xml><?xml version="1.0" encoding="utf-8"?>
-<ds:datastoreItem xmlns:ds="http://schemas.openxmlformats.org/officeDocument/2006/customXml" ds:itemID="{C09F197C-6A49-47D0-B877-F88807989676}">
+<ds:datastoreItem xmlns:ds="http://schemas.openxmlformats.org/officeDocument/2006/customXml" ds:itemID="{EA31967E-96EF-44B0-B925-463AAEBE4C94}">
   <ds:schemaRefs/>
 </ds:datastoreItem>
 </file>
 
 <file path=customXml/itemProps111.xml><?xml version="1.0" encoding="utf-8"?>
+<ds:datastoreItem xmlns:ds="http://schemas.openxmlformats.org/officeDocument/2006/customXml" ds:itemID="{2A3190C4-B88B-4E3B-849A-65A4A7FCAB5F}">
+  <ds:schemaRefs/>
+</ds:datastoreItem>
+</file>
+
+<file path=customXml/itemProps112.xml><?xml version="1.0" encoding="utf-8"?>
+<ds:datastoreItem xmlns:ds="http://schemas.openxmlformats.org/officeDocument/2006/customXml" ds:itemID="{10BA0679-81B2-4BE6-B8F1-F8B3FB69E732}">
+  <ds:schemaRefs/>
+</ds:datastoreItem>
+</file>
+
+<file path=customXml/itemProps113.xml><?xml version="1.0" encoding="utf-8"?>
+<ds:datastoreItem xmlns:ds="http://schemas.openxmlformats.org/officeDocument/2006/customXml" ds:itemID="{353B6855-1E72-4922-B27D-87797533E229}">
+  <ds:schemaRefs/>
+</ds:datastoreItem>
+</file>
+
+<file path=customXml/itemProps114.xml><?xml version="1.0" encoding="utf-8"?>
 <ds:datastoreItem xmlns:ds="http://schemas.openxmlformats.org/officeDocument/2006/customXml" ds:itemID="{03AF3FDC-ACD1-46F3-A43E-782322DF9816}">
   <ds:schemaRefs/>
 </ds:datastoreItem>
 </file>
 
-<file path=customXml/itemProps112.xml><?xml version="1.0" encoding="utf-8"?>
+<file path=customXml/itemProps115.xml><?xml version="1.0" encoding="utf-8"?>
 <ds:datastoreItem xmlns:ds="http://schemas.openxmlformats.org/officeDocument/2006/customXml" ds:itemID="{CAE47E03-1E42-41BD-9B9B-4784A4BC9E99}">
   <ds:schemaRefs/>
 </ds:datastoreItem>
 </file>
 
-<file path=customXml/itemProps113.xml><?xml version="1.0" encoding="utf-8"?>
+<file path=customXml/itemProps116.xml><?xml version="1.0" encoding="utf-8"?>
+<ds:datastoreItem xmlns:ds="http://schemas.openxmlformats.org/officeDocument/2006/customXml" ds:itemID="{A71CEC01-F574-41EE-A0EB-2CB62E47F7D6}">
+  <ds:schemaRefs/>
+</ds:datastoreItem>
+</file>
+
+<file path=customXml/itemProps117.xml><?xml version="1.0" encoding="utf-8"?>
+<ds:datastoreItem xmlns:ds="http://schemas.openxmlformats.org/officeDocument/2006/customXml" ds:itemID="{35F02230-55B6-44A2-9D58-124BB401D0B7}">
+  <ds:schemaRefs/>
+</ds:datastoreItem>
+</file>
+
+<file path=customXml/itemProps118.xml><?xml version="1.0" encoding="utf-8"?>
+<ds:datastoreItem xmlns:ds="http://schemas.openxmlformats.org/officeDocument/2006/customXml" ds:itemID="{1C14CC58-9A56-4143-9A51-79596261D285}">
+  <ds:schemaRefs/>
+</ds:datastoreItem>
+</file>
+
+<file path=customXml/itemProps119.xml><?xml version="1.0" encoding="utf-8"?>
+<ds:datastoreItem xmlns:ds="http://schemas.openxmlformats.org/officeDocument/2006/customXml" ds:itemID="{04804280-6C02-4A40-BDFC-7F3FCB331E9B}">
+  <ds:schemaRefs/>
+</ds:datastoreItem>
+</file>
+
+<file path=customXml/itemProps12.xml><?xml version="1.0" encoding="utf-8"?>
+<ds:datastoreItem xmlns:ds="http://schemas.openxmlformats.org/officeDocument/2006/customXml" ds:itemID="{619A3781-1EA1-4E71-BB08-DAEF5186D98B}">
+  <ds:schemaRefs/>
+</ds:datastoreItem>
+</file>
+
+<file path=customXml/itemProps120.xml><?xml version="1.0" encoding="utf-8"?>
+<ds:datastoreItem xmlns:ds="http://schemas.openxmlformats.org/officeDocument/2006/customXml" ds:itemID="{BE75A417-9EE4-45B6-9D13-9387E19EAE84}">
+  <ds:schemaRefs/>
+</ds:datastoreItem>
+</file>
+
+<file path=customXml/itemProps121.xml><?xml version="1.0" encoding="utf-8"?>
+<ds:datastoreItem xmlns:ds="http://schemas.openxmlformats.org/officeDocument/2006/customXml" ds:itemID="{B25CC7AE-AE5C-4B2B-A221-83C67230743C}">
+  <ds:schemaRefs/>
+</ds:datastoreItem>
+</file>
+
+<file path=customXml/itemProps122.xml><?xml version="1.0" encoding="utf-8"?>
+<ds:datastoreItem xmlns:ds="http://schemas.openxmlformats.org/officeDocument/2006/customXml" ds:itemID="{822D38AD-8010-4CD3-BD6B-117CB8DF70A4}">
+  <ds:schemaRefs/>
+</ds:datastoreItem>
+</file>
+
+<file path=customXml/itemProps123.xml><?xml version="1.0" encoding="utf-8"?>
+<ds:datastoreItem xmlns:ds="http://schemas.openxmlformats.org/officeDocument/2006/customXml" ds:itemID="{449D10AE-13B3-4066-A8D1-643579DD981C}">
+  <ds:schemaRefs/>
+</ds:datastoreItem>
+</file>
+
+<file path=customXml/itemProps124.xml><?xml version="1.0" encoding="utf-8"?>
 <ds:datastoreItem xmlns:ds="http://schemas.openxmlformats.org/officeDocument/2006/customXml" ds:itemID="{D38A171D-F576-4E0C-8A00-8B56B7BE4A9D}">
   <ds:schemaRefs/>
 </ds:datastoreItem>
 </file>
 
-<file path=customXml/itemProps114.xml><?xml version="1.0" encoding="utf-8"?>
-<ds:datastoreItem xmlns:ds="http://schemas.openxmlformats.org/officeDocument/2006/customXml" ds:itemID="{F5A7E41D-6E7F-4B05-AFAB-F540BD4C068B}">
-  <ds:schemaRefs>
-    <ds:schemaRef ds:uri="http://schemas.microsoft.com/sharepoint/v3/contenttype/forms"/>
-  </ds:schemaRefs>
-</ds:datastoreItem>
-</file>
-
-<file path=customXml/itemProps115.xml><?xml version="1.0" encoding="utf-8"?>
-<ds:datastoreItem xmlns:ds="http://schemas.openxmlformats.org/officeDocument/2006/customXml" ds:itemID="{EA31967E-96EF-44B0-B925-463AAEBE4C94}">
+<file path=customXml/itemProps125.xml><?xml version="1.0" encoding="utf-8"?>
+<ds:datastoreItem xmlns:ds="http://schemas.openxmlformats.org/officeDocument/2006/customXml" ds:itemID="{D75684D2-F9FB-419A-847B-7182F129EAC1}">
   <ds:schemaRefs/>
 </ds:datastoreItem>
 </file>
 
-<file path=customXml/itemProps116.xml><?xml version="1.0" encoding="utf-8"?>
+<file path=customXml/itemProps126.xml><?xml version="1.0" encoding="utf-8"?>
+<ds:datastoreItem xmlns:ds="http://schemas.openxmlformats.org/officeDocument/2006/customXml" ds:itemID="{642233EF-7CA2-4AF1-8463-30952BD1FF16}">
+  <ds:schemaRefs/>
+</ds:datastoreItem>
+</file>
+
+<file path=customXml/itemProps127.xml><?xml version="1.0" encoding="utf-8"?>
+<ds:datastoreItem xmlns:ds="http://schemas.openxmlformats.org/officeDocument/2006/customXml" ds:itemID="{88B797B5-8C7C-43F7-8CF5-E3DC8DBA88B0}">
+  <ds:schemaRefs/>
+</ds:datastoreItem>
+</file>
+
+<file path=customXml/itemProps13.xml><?xml version="1.0" encoding="utf-8"?>
+<ds:datastoreItem xmlns:ds="http://schemas.openxmlformats.org/officeDocument/2006/customXml" ds:itemID="{B9FD9DF9-1BF7-4243-A67C-1D7F19E28B36}">
+  <ds:schemaRefs/>
+</ds:datastoreItem>
+</file>
+
+<file path=customXml/itemProps14.xml><?xml version="1.0" encoding="utf-8"?>
 <ds:datastoreItem xmlns:ds="http://schemas.openxmlformats.org/officeDocument/2006/customXml" ds:itemID="{98E14955-1321-482E-B194-A7B7610F0A17}">
   <ds:schemaRefs/>
 </ds:datastoreItem>
 </file>
 
-<file path=customXml/itemProps117.xml><?xml version="1.0" encoding="utf-8"?>
-<ds:datastoreItem xmlns:ds="http://schemas.openxmlformats.org/officeDocument/2006/customXml" ds:itemID="{9DD08200-6D97-4E27-99BF-24D55D16ED6E}">
-  <ds:schemaRefs/>
-</ds:datastoreItem>
-</file>
-
-<file path=customXml/itemProps118.xml><?xml version="1.0" encoding="utf-8"?>
+<file path=customXml/itemProps15.xml><?xml version="1.0" encoding="utf-8"?>
 <ds:datastoreItem xmlns:ds="http://schemas.openxmlformats.org/officeDocument/2006/customXml" ds:itemID="{A2258578-4028-422E-A2BB-56A6BD2305EC}">
   <ds:schemaRefs>
     <ds:schemaRef ds:uri="http://schemas.microsoft.com/office/2006/metadata/contentType"/>
@@ -42009,182 +42091,106 @@
 </ds:datastoreItem>
 </file>
 
-<file path=customXml/itemProps119.xml><?xml version="1.0" encoding="utf-8"?>
-<ds:datastoreItem xmlns:ds="http://schemas.openxmlformats.org/officeDocument/2006/customXml" ds:itemID="{4196F38A-C7AA-4022-8E0A-566CB6FFF92A}">
+<file path=customXml/itemProps16.xml><?xml version="1.0" encoding="utf-8"?>
+<ds:datastoreItem xmlns:ds="http://schemas.openxmlformats.org/officeDocument/2006/customXml" ds:itemID="{932CE1B1-8FEF-439F-ACC4-DBDFEA30C312}">
   <ds:schemaRefs/>
 </ds:datastoreItem>
 </file>
 
-<file path=customXml/itemProps12.xml><?xml version="1.0" encoding="utf-8"?>
-<ds:datastoreItem xmlns:ds="http://schemas.openxmlformats.org/officeDocument/2006/customXml" ds:itemID="{7DE9A92D-0A85-4077-AE65-FEDD1D7D995C}">
+<file path=customXml/itemProps17.xml><?xml version="1.0" encoding="utf-8"?>
+<ds:datastoreItem xmlns:ds="http://schemas.openxmlformats.org/officeDocument/2006/customXml" ds:itemID="{F5A7E41D-6E7F-4B05-AFAB-F540BD4C068B}">
+  <ds:schemaRefs>
+    <ds:schemaRef ds:uri="http://schemas.microsoft.com/sharepoint/v3/contenttype/forms"/>
+  </ds:schemaRefs>
+</ds:datastoreItem>
+</file>
+
+<file path=customXml/itemProps18.xml><?xml version="1.0" encoding="utf-8"?>
+<ds:datastoreItem xmlns:ds="http://schemas.openxmlformats.org/officeDocument/2006/customXml" ds:itemID="{DE480E74-E426-4A5E-B075-C839B2ACE772}">
   <ds:schemaRefs/>
 </ds:datastoreItem>
 </file>
 
-<file path=customXml/itemProps120.xml><?xml version="1.0" encoding="utf-8"?>
-<ds:datastoreItem xmlns:ds="http://schemas.openxmlformats.org/officeDocument/2006/customXml" ds:itemID="{34DDF386-4C18-48D8-A376-F94F36D228B3}">
+<file path=customXml/itemProps19.xml><?xml version="1.0" encoding="utf-8"?>
+<ds:datastoreItem xmlns:ds="http://schemas.openxmlformats.org/officeDocument/2006/customXml" ds:itemID="{787FE5CD-7CBC-43CE-BB00-860E3223E59E}">
   <ds:schemaRefs/>
 </ds:datastoreItem>
 </file>
 
-<file path=customXml/itemProps121.xml><?xml version="1.0" encoding="utf-8"?>
-<ds:datastoreItem xmlns:ds="http://schemas.openxmlformats.org/officeDocument/2006/customXml" ds:itemID="{B9FD9DF9-1BF7-4243-A67C-1D7F19E28B36}">
+<file path=customXml/itemProps2.xml><?xml version="1.0" encoding="utf-8"?>
+<ds:datastoreItem xmlns:ds="http://schemas.openxmlformats.org/officeDocument/2006/customXml" ds:itemID="{7D076754-FCEC-4ACF-AB53-2A35D36CBF05}">
   <ds:schemaRefs/>
 </ds:datastoreItem>
 </file>
 
-<file path=customXml/itemProps122.xml><?xml version="1.0" encoding="utf-8"?>
-<ds:datastoreItem xmlns:ds="http://schemas.openxmlformats.org/officeDocument/2006/customXml" ds:itemID="{DFBED128-E1E8-4B03-B2D5-B2D87CAFC336}">
+<file path=customXml/itemProps20.xml><?xml version="1.0" encoding="utf-8"?>
+<ds:datastoreItem xmlns:ds="http://schemas.openxmlformats.org/officeDocument/2006/customXml" ds:itemID="{DD648353-642A-433C-8196-006048BE519C}">
   <ds:schemaRefs/>
 </ds:datastoreItem>
 </file>
 
-<file path=customXml/itemProps123.xml><?xml version="1.0" encoding="utf-8"?>
+<file path=customXml/itemProps21.xml><?xml version="1.0" encoding="utf-8"?>
+<ds:datastoreItem xmlns:ds="http://schemas.openxmlformats.org/officeDocument/2006/customXml" ds:itemID="{6670EA98-0313-49BA-9D9D-622436EA24FA}">
+  <ds:schemaRefs/>
+</ds:datastoreItem>
+</file>
+
+<file path=customXml/itemProps22.xml><?xml version="1.0" encoding="utf-8"?>
+<ds:datastoreItem xmlns:ds="http://schemas.openxmlformats.org/officeDocument/2006/customXml" ds:itemID="{D0AD8599-2508-4B35-9DE1-4423257A073F}">
+  <ds:schemaRefs/>
+</ds:datastoreItem>
+</file>
+
+<file path=customXml/itemProps23.xml><?xml version="1.0" encoding="utf-8"?>
+<ds:datastoreItem xmlns:ds="http://schemas.openxmlformats.org/officeDocument/2006/customXml" ds:itemID="{1F3B0893-AF25-48B1-B36C-1EB611E1C001}">
+  <ds:schemaRefs/>
+</ds:datastoreItem>
+</file>
+
+<file path=customXml/itemProps24.xml><?xml version="1.0" encoding="utf-8"?>
+<ds:datastoreItem xmlns:ds="http://schemas.openxmlformats.org/officeDocument/2006/customXml" ds:itemID="{4806FE04-7A17-4C9E-AC54-73FC62DE9B50}">
+  <ds:schemaRefs/>
+</ds:datastoreItem>
+</file>
+
+<file path=customXml/itemProps25.xml><?xml version="1.0" encoding="utf-8"?>
+<ds:datastoreItem xmlns:ds="http://schemas.openxmlformats.org/officeDocument/2006/customXml" ds:itemID="{C8184724-C58D-47DA-9F95-DBD6A20D009C}">
+  <ds:schemaRefs/>
+</ds:datastoreItem>
+</file>
+
+<file path=customXml/itemProps26.xml><?xml version="1.0" encoding="utf-8"?>
+<ds:datastoreItem xmlns:ds="http://schemas.openxmlformats.org/officeDocument/2006/customXml" ds:itemID="{41738A78-FE23-414B-9699-83FCDB2186EF}">
+  <ds:schemaRefs/>
+</ds:datastoreItem>
+</file>
+
+<file path=customXml/itemProps27.xml><?xml version="1.0" encoding="utf-8"?>
+<ds:datastoreItem xmlns:ds="http://schemas.openxmlformats.org/officeDocument/2006/customXml" ds:itemID="{2BF73458-612B-4466-A81F-22DA6A324795}">
+  <ds:schemaRefs/>
+</ds:datastoreItem>
+</file>
+
+<file path=customXml/itemProps28.xml><?xml version="1.0" encoding="utf-8"?>
+<ds:datastoreItem xmlns:ds="http://schemas.openxmlformats.org/officeDocument/2006/customXml" ds:itemID="{EEF98F72-31AA-4885-AFDD-F73C7DD469A0}">
+  <ds:schemaRefs/>
+</ds:datastoreItem>
+</file>
+
+<file path=customXml/itemProps29.xml><?xml version="1.0" encoding="utf-8"?>
+<ds:datastoreItem xmlns:ds="http://schemas.openxmlformats.org/officeDocument/2006/customXml" ds:itemID="{E1784C58-DC59-48B0-A57B-E57758623B39}">
+  <ds:schemaRefs/>
+</ds:datastoreItem>
+</file>
+
+<file path=customXml/itemProps3.xml><?xml version="1.0" encoding="utf-8"?>
 <ds:datastoreItem xmlns:ds="http://schemas.openxmlformats.org/officeDocument/2006/customXml" ds:itemID="{5FB14CD7-4055-482C-88C8-AC6CC7AC50BE}">
   <ds:schemaRefs/>
 </ds:datastoreItem>
 </file>
 
-<file path=customXml/itemProps124.xml><?xml version="1.0" encoding="utf-8"?>
-<ds:datastoreItem xmlns:ds="http://schemas.openxmlformats.org/officeDocument/2006/customXml" ds:itemID="{1F7ABBB5-8F59-46B8-B35E-46798E542F1F}">
-  <ds:schemaRefs/>
-</ds:datastoreItem>
-</file>
-
-<file path=customXml/itemProps125.xml><?xml version="1.0" encoding="utf-8"?>
-<ds:datastoreItem xmlns:ds="http://schemas.openxmlformats.org/officeDocument/2006/customXml" ds:itemID="{A281796A-B4D4-4974-A3ED-9286EDA84ADC}">
-  <ds:schemaRefs/>
-</ds:datastoreItem>
-</file>
-
-<file path=customXml/itemProps126.xml><?xml version="1.0" encoding="utf-8"?>
-<ds:datastoreItem xmlns:ds="http://schemas.openxmlformats.org/officeDocument/2006/customXml" ds:itemID="{88B797B5-8C7C-43F7-8CF5-E3DC8DBA88B0}">
-  <ds:schemaRefs/>
-</ds:datastoreItem>
-</file>
-
-<file path=customXml/itemProps127.xml><?xml version="1.0" encoding="utf-8"?>
-<ds:datastoreItem xmlns:ds="http://schemas.openxmlformats.org/officeDocument/2006/customXml" ds:itemID="{873D36AC-6CA0-46E3-8382-4DBD0F0E928B}">
-  <ds:schemaRefs/>
-</ds:datastoreItem>
-</file>
-
-<file path=customXml/itemProps13.xml><?xml version="1.0" encoding="utf-8"?>
-<ds:datastoreItem xmlns:ds="http://schemas.openxmlformats.org/officeDocument/2006/customXml" ds:itemID="{8AB361F4-0226-4678-B681-E6B72F4E1F1F}">
-  <ds:schemaRefs/>
-</ds:datastoreItem>
-</file>
-
-<file path=customXml/itemProps14.xml><?xml version="1.0" encoding="utf-8"?>
-<ds:datastoreItem xmlns:ds="http://schemas.openxmlformats.org/officeDocument/2006/customXml" ds:itemID="{72516535-7702-46AF-9B1F-8623A67A824E}">
-  <ds:schemaRefs/>
-</ds:datastoreItem>
-</file>
-
-<file path=customXml/itemProps15.xml><?xml version="1.0" encoding="utf-8"?>
-<ds:datastoreItem xmlns:ds="http://schemas.openxmlformats.org/officeDocument/2006/customXml" ds:itemID="{BBB238E6-43EF-4824-8097-49154690D103}">
-  <ds:schemaRefs/>
-</ds:datastoreItem>
-</file>
-
-<file path=customXml/itemProps16.xml><?xml version="1.0" encoding="utf-8"?>
-<ds:datastoreItem xmlns:ds="http://schemas.openxmlformats.org/officeDocument/2006/customXml" ds:itemID="{414DA5D0-7BC2-48E3-A7EB-0291E0EEB38D}">
-  <ds:schemaRefs/>
-</ds:datastoreItem>
-</file>
-
-<file path=customXml/itemProps17.xml><?xml version="1.0" encoding="utf-8"?>
-<ds:datastoreItem xmlns:ds="http://schemas.openxmlformats.org/officeDocument/2006/customXml" ds:itemID="{1C14CC58-9A56-4143-9A51-79596261D285}">
-  <ds:schemaRefs/>
-</ds:datastoreItem>
-</file>
-
-<file path=customXml/itemProps18.xml><?xml version="1.0" encoding="utf-8"?>
-<ds:datastoreItem xmlns:ds="http://schemas.openxmlformats.org/officeDocument/2006/customXml" ds:itemID="{8CF8F1C6-185F-4DF5-A79D-73E67AC22572}">
-  <ds:schemaRefs/>
-</ds:datastoreItem>
-</file>
-
-<file path=customXml/itemProps19.xml><?xml version="1.0" encoding="utf-8"?>
-<ds:datastoreItem xmlns:ds="http://schemas.openxmlformats.org/officeDocument/2006/customXml" ds:itemID="{CE6A050F-4333-449F-BA6E-6F8024044223}">
-  <ds:schemaRefs/>
-</ds:datastoreItem>
-</file>
-
-<file path=customXml/itemProps2.xml><?xml version="1.0" encoding="utf-8"?>
-<ds:datastoreItem xmlns:ds="http://schemas.openxmlformats.org/officeDocument/2006/customXml" ds:itemID="{2B4C53CB-C09A-48B4-9F4B-271E9D0D6639}">
-  <ds:schemaRefs/>
-</ds:datastoreItem>
-</file>
-
-<file path=customXml/itemProps20.xml><?xml version="1.0" encoding="utf-8"?>
-<ds:datastoreItem xmlns:ds="http://schemas.openxmlformats.org/officeDocument/2006/customXml" ds:itemID="{2121CAD2-F70D-4457-8424-5778911A2F0D}">
-  <ds:schemaRefs/>
-</ds:datastoreItem>
-</file>
-
-<file path=customXml/itemProps21.xml><?xml version="1.0" encoding="utf-8"?>
-<ds:datastoreItem xmlns:ds="http://schemas.openxmlformats.org/officeDocument/2006/customXml" ds:itemID="{05897AB9-E3DD-43BB-8EDF-968F39A02ADC}">
-  <ds:schemaRefs/>
-</ds:datastoreItem>
-</file>
-
-<file path=customXml/itemProps22.xml><?xml version="1.0" encoding="utf-8"?>
-<ds:datastoreItem xmlns:ds="http://schemas.openxmlformats.org/officeDocument/2006/customXml" ds:itemID="{98CBEC4F-4212-4DDD-BBFE-9597B688EEF5}">
-  <ds:schemaRefs/>
-</ds:datastoreItem>
-</file>
-
-<file path=customXml/itemProps23.xml><?xml version="1.0" encoding="utf-8"?>
-<ds:datastoreItem xmlns:ds="http://schemas.openxmlformats.org/officeDocument/2006/customXml" ds:itemID="{86BE0DFE-4F90-4564-91FC-BAF49BE1C36F}">
-  <ds:schemaRefs/>
-</ds:datastoreItem>
-</file>
-
-<file path=customXml/itemProps24.xml><?xml version="1.0" encoding="utf-8"?>
-<ds:datastoreItem xmlns:ds="http://schemas.openxmlformats.org/officeDocument/2006/customXml" ds:itemID="{9AF1F1AE-2893-4413-B89B-6C22F622B7B0}">
-  <ds:schemaRefs/>
-</ds:datastoreItem>
-</file>
-
-<file path=customXml/itemProps25.xml><?xml version="1.0" encoding="utf-8"?>
-<ds:datastoreItem xmlns:ds="http://schemas.openxmlformats.org/officeDocument/2006/customXml" ds:itemID="{5EE69A3B-9909-4BD1-B192-F0D6C7BEA00F}">
-  <ds:schemaRefs/>
-</ds:datastoreItem>
-</file>
-
-<file path=customXml/itemProps26.xml><?xml version="1.0" encoding="utf-8"?>
-<ds:datastoreItem xmlns:ds="http://schemas.openxmlformats.org/officeDocument/2006/customXml" ds:itemID="{D0AD8599-2508-4B35-9DE1-4423257A073F}">
-  <ds:schemaRefs/>
-</ds:datastoreItem>
-</file>
-
-<file path=customXml/itemProps27.xml><?xml version="1.0" encoding="utf-8"?>
-<ds:datastoreItem xmlns:ds="http://schemas.openxmlformats.org/officeDocument/2006/customXml" ds:itemID="{4CA4D464-76EF-4976-A469-913836041FC2}">
-  <ds:schemaRefs/>
-</ds:datastoreItem>
-</file>
-
-<file path=customXml/itemProps28.xml><?xml version="1.0" encoding="utf-8"?>
-<ds:datastoreItem xmlns:ds="http://schemas.openxmlformats.org/officeDocument/2006/customXml" ds:itemID="{48170A45-32C8-4844-A5A8-2914CAC05126}">
-  <ds:schemaRefs/>
-</ds:datastoreItem>
-</file>
-
-<file path=customXml/itemProps29.xml><?xml version="1.0" encoding="utf-8"?>
-<ds:datastoreItem xmlns:ds="http://schemas.openxmlformats.org/officeDocument/2006/customXml" ds:itemID="{C603FEC4-6110-45FB-9E0D-8B8869730499}">
-  <ds:schemaRefs/>
-</ds:datastoreItem>
-</file>
-
-<file path=customXml/itemProps3.xml><?xml version="1.0" encoding="utf-8"?>
-<ds:datastoreItem xmlns:ds="http://schemas.openxmlformats.org/officeDocument/2006/customXml" ds:itemID="{01C56F4A-96CD-47D1-BA55-94DEC2F1EED9}">
-  <ds:schemaRefs/>
-</ds:datastoreItem>
-</file>
-
 <file path=customXml/itemProps30.xml><?xml version="1.0" encoding="utf-8"?>
-<ds:datastoreItem xmlns:ds="http://schemas.openxmlformats.org/officeDocument/2006/customXml" ds:itemID="{2A3190C4-B88B-4E3B-849A-65A4A7FCAB5F}">
+<ds:datastoreItem xmlns:ds="http://schemas.openxmlformats.org/officeDocument/2006/customXml" ds:itemID="{D92C3DF5-A179-4E2D-BD20-07044B39171F}">
   <ds:schemaRefs/>
 </ds:datastoreItem>
 </file>
@@ -42196,445 +42202,445 @@
 </file>
 
 <file path=customXml/itemProps32.xml><?xml version="1.0" encoding="utf-8"?>
-<ds:datastoreItem xmlns:ds="http://schemas.openxmlformats.org/officeDocument/2006/customXml" ds:itemID="{A71CEC01-F574-41EE-A0EB-2CB62E47F7D6}">
+<ds:datastoreItem xmlns:ds="http://schemas.openxmlformats.org/officeDocument/2006/customXml" ds:itemID="{05897AB9-E3DD-43BB-8EDF-968F39A02ADC}">
   <ds:schemaRefs/>
 </ds:datastoreItem>
 </file>
 
 <file path=customXml/itemProps33.xml><?xml version="1.0" encoding="utf-8"?>
-<ds:datastoreItem xmlns:ds="http://schemas.openxmlformats.org/officeDocument/2006/customXml" ds:itemID="{932CE1B1-8FEF-439F-ACC4-DBDFEA30C312}">
+<ds:datastoreItem xmlns:ds="http://schemas.openxmlformats.org/officeDocument/2006/customXml" ds:itemID="{DE4BE47B-55E0-45DF-9D1C-46B012C7DCA1}">
   <ds:schemaRefs/>
 </ds:datastoreItem>
 </file>
 
 <file path=customXml/itemProps34.xml><?xml version="1.0" encoding="utf-8"?>
-<ds:datastoreItem xmlns:ds="http://schemas.openxmlformats.org/officeDocument/2006/customXml" ds:itemID="{DE4BE47B-55E0-45DF-9D1C-46B012C7DCA1}">
+<ds:datastoreItem xmlns:ds="http://schemas.openxmlformats.org/officeDocument/2006/customXml" ds:itemID="{083C3993-7183-47B5-BD94-27B4E74D8F7E}">
   <ds:schemaRefs/>
 </ds:datastoreItem>
 </file>
 
 <file path=customXml/itemProps35.xml><?xml version="1.0" encoding="utf-8"?>
+<ds:datastoreItem xmlns:ds="http://schemas.openxmlformats.org/officeDocument/2006/customXml" ds:itemID="{B5E3F27C-1797-44F4-A8FE-1B095B4DFE1E}">
+  <ds:schemaRefs/>
+</ds:datastoreItem>
+</file>
+
+<file path=customXml/itemProps36.xml><?xml version="1.0" encoding="utf-8"?>
+<ds:datastoreItem xmlns:ds="http://schemas.openxmlformats.org/officeDocument/2006/customXml" ds:itemID="{01C56F4A-96CD-47D1-BA55-94DEC2F1EED9}">
+  <ds:schemaRefs/>
+</ds:datastoreItem>
+</file>
+
+<file path=customXml/itemProps37.xml><?xml version="1.0" encoding="utf-8"?>
+<ds:datastoreItem xmlns:ds="http://schemas.openxmlformats.org/officeDocument/2006/customXml" ds:itemID="{2121CAD2-F70D-4457-8424-5778911A2F0D}">
+  <ds:schemaRefs/>
+</ds:datastoreItem>
+</file>
+
+<file path=customXml/itemProps38.xml><?xml version="1.0" encoding="utf-8"?>
+<ds:datastoreItem xmlns:ds="http://schemas.openxmlformats.org/officeDocument/2006/customXml" ds:itemID="{414DA5D0-7BC2-48E3-A7EB-0291E0EEB38D}">
+  <ds:schemaRefs/>
+</ds:datastoreItem>
+</file>
+
+<file path=customXml/itemProps39.xml><?xml version="1.0" encoding="utf-8"?>
+<ds:datastoreItem xmlns:ds="http://schemas.openxmlformats.org/officeDocument/2006/customXml" ds:itemID="{E404C558-C7F1-44B6-AE91-B693B87B79D8}">
+  <ds:schemaRefs/>
+</ds:datastoreItem>
+</file>
+
+<file path=customXml/itemProps4.xml><?xml version="1.0" encoding="utf-8"?>
+<ds:datastoreItem xmlns:ds="http://schemas.openxmlformats.org/officeDocument/2006/customXml" ds:itemID="{1F7ABBB5-8F59-46B8-B35E-46798E542F1F}">
+  <ds:schemaRefs/>
+</ds:datastoreItem>
+</file>
+
+<file path=customXml/itemProps40.xml><?xml version="1.0" encoding="utf-8"?>
+<ds:datastoreItem xmlns:ds="http://schemas.openxmlformats.org/officeDocument/2006/customXml" ds:itemID="{C463B93A-5468-4658-A31C-D5C28A59D643}">
+  <ds:schemaRefs/>
+</ds:datastoreItem>
+</file>
+
+<file path=customXml/itemProps41.xml><?xml version="1.0" encoding="utf-8"?>
+<ds:datastoreItem xmlns:ds="http://schemas.openxmlformats.org/officeDocument/2006/customXml" ds:itemID="{EFEDBDE8-85C4-4B52-9E38-E7C97633079C}">
+  <ds:schemaRefs/>
+</ds:datastoreItem>
+</file>
+
+<file path=customXml/itemProps42.xml><?xml version="1.0" encoding="utf-8"?>
+<ds:datastoreItem xmlns:ds="http://schemas.openxmlformats.org/officeDocument/2006/customXml" ds:itemID="{4C8B25CE-F76B-4533-864B-E0E49EE221B8}">
+  <ds:schemaRefs/>
+</ds:datastoreItem>
+</file>
+
+<file path=customXml/itemProps43.xml><?xml version="1.0" encoding="utf-8"?>
+<ds:datastoreItem xmlns:ds="http://schemas.openxmlformats.org/officeDocument/2006/customXml" ds:itemID="{FA3607CD-788B-459B-A144-2973FE3277DC}">
+  <ds:schemaRefs/>
+</ds:datastoreItem>
+</file>
+
+<file path=customXml/itemProps44.xml><?xml version="1.0" encoding="utf-8"?>
+<ds:datastoreItem xmlns:ds="http://schemas.openxmlformats.org/officeDocument/2006/customXml" ds:itemID="{28DEEDCC-0809-4C1F-BA26-DED72A4CD155}">
+  <ds:schemaRefs/>
+</ds:datastoreItem>
+</file>
+
+<file path=customXml/itemProps45.xml><?xml version="1.0" encoding="utf-8"?>
+<ds:datastoreItem xmlns:ds="http://schemas.openxmlformats.org/officeDocument/2006/customXml" ds:itemID="{4196F38A-C7AA-4022-8E0A-566CB6FFF92A}">
+  <ds:schemaRefs/>
+</ds:datastoreItem>
+</file>
+
+<file path=customXml/itemProps46.xml><?xml version="1.0" encoding="utf-8"?>
+<ds:datastoreItem xmlns:ds="http://schemas.openxmlformats.org/officeDocument/2006/customXml" ds:itemID="{34DDF386-4C18-48D8-A376-F94F36D228B3}">
+  <ds:schemaRefs/>
+</ds:datastoreItem>
+</file>
+
+<file path=customXml/itemProps47.xml><?xml version="1.0" encoding="utf-8"?>
+<ds:datastoreItem xmlns:ds="http://schemas.openxmlformats.org/officeDocument/2006/customXml" ds:itemID="{2B4C53CB-C09A-48B4-9F4B-271E9D0D6639}">
+  <ds:schemaRefs/>
+</ds:datastoreItem>
+</file>
+
+<file path=customXml/itemProps48.xml><?xml version="1.0" encoding="utf-8"?>
+<ds:datastoreItem xmlns:ds="http://schemas.openxmlformats.org/officeDocument/2006/customXml" ds:itemID="{3EAA0770-3AD4-41E8-9D74-B1F891F135C4}">
+  <ds:schemaRefs/>
+</ds:datastoreItem>
+</file>
+
+<file path=customXml/itemProps49.xml><?xml version="1.0" encoding="utf-8"?>
+<ds:datastoreItem xmlns:ds="http://schemas.openxmlformats.org/officeDocument/2006/customXml" ds:itemID="{E47C3BF3-6A00-45C3-A58A-4B7688D77B5A}">
+  <ds:schemaRefs/>
+</ds:datastoreItem>
+</file>
+
+<file path=customXml/itemProps5.xml><?xml version="1.0" encoding="utf-8"?>
+<ds:datastoreItem xmlns:ds="http://schemas.openxmlformats.org/officeDocument/2006/customXml" ds:itemID="{31C51BA7-6C05-4277-9955-252827CBFF7D}">
+  <ds:schemaRefs/>
+</ds:datastoreItem>
+</file>
+
+<file path=customXml/itemProps50.xml><?xml version="1.0" encoding="utf-8"?>
+<ds:datastoreItem xmlns:ds="http://schemas.openxmlformats.org/officeDocument/2006/customXml" ds:itemID="{9E2B8D07-EEFE-44FD-BED1-E7A3DC977FB8}">
+  <ds:schemaRefs/>
+</ds:datastoreItem>
+</file>
+
+<file path=customXml/itemProps51.xml><?xml version="1.0" encoding="utf-8"?>
+<ds:datastoreItem xmlns:ds="http://schemas.openxmlformats.org/officeDocument/2006/customXml" ds:itemID="{3F40017D-675E-4378-B4CD-0EBA3B5498D0}">
+  <ds:schemaRefs/>
+</ds:datastoreItem>
+</file>
+
+<file path=customXml/itemProps52.xml><?xml version="1.0" encoding="utf-8"?>
+<ds:datastoreItem xmlns:ds="http://schemas.openxmlformats.org/officeDocument/2006/customXml" ds:itemID="{FAA5C529-0685-42EB-9234-127925B67CAA}">
+  <ds:schemaRefs/>
+</ds:datastoreItem>
+</file>
+
+<file path=customXml/itemProps53.xml><?xml version="1.0" encoding="utf-8"?>
+<ds:datastoreItem xmlns:ds="http://schemas.openxmlformats.org/officeDocument/2006/customXml" ds:itemID="{203EA989-5979-4175-8900-7F343BA15BCC}">
+  <ds:schemaRefs/>
+</ds:datastoreItem>
+</file>
+
+<file path=customXml/itemProps54.xml><?xml version="1.0" encoding="utf-8"?>
+<ds:datastoreItem xmlns:ds="http://schemas.openxmlformats.org/officeDocument/2006/customXml" ds:itemID="{829C987D-F0DD-4799-AFAB-DE873260F77C}">
+  <ds:schemaRefs/>
+</ds:datastoreItem>
+</file>
+
+<file path=customXml/itemProps55.xml><?xml version="1.0" encoding="utf-8"?>
+<ds:datastoreItem xmlns:ds="http://schemas.openxmlformats.org/officeDocument/2006/customXml" ds:itemID="{8AB361F4-0226-4678-B681-E6B72F4E1F1F}">
+  <ds:schemaRefs/>
+</ds:datastoreItem>
+</file>
+
+<file path=customXml/itemProps56.xml><?xml version="1.0" encoding="utf-8"?>
+<ds:datastoreItem xmlns:ds="http://schemas.openxmlformats.org/officeDocument/2006/customXml" ds:itemID="{EFD374A6-E385-45C3-B4AD-34934C3520D8}">
+  <ds:schemaRefs/>
+</ds:datastoreItem>
+</file>
+
+<file path=customXml/itemProps57.xml><?xml version="1.0" encoding="utf-8"?>
+<ds:datastoreItem xmlns:ds="http://schemas.openxmlformats.org/officeDocument/2006/customXml" ds:itemID="{CE6A050F-4333-449F-BA6E-6F8024044223}">
+  <ds:schemaRefs/>
+</ds:datastoreItem>
+</file>
+
+<file path=customXml/itemProps58.xml><?xml version="1.0" encoding="utf-8"?>
+<ds:datastoreItem xmlns:ds="http://schemas.openxmlformats.org/officeDocument/2006/customXml" ds:itemID="{DBCDA9A0-20A8-4164-83E1-FA035412CFB1}">
+  <ds:schemaRefs/>
+</ds:datastoreItem>
+</file>
+
+<file path=customXml/itemProps59.xml><?xml version="1.0" encoding="utf-8"?>
+<ds:datastoreItem xmlns:ds="http://schemas.openxmlformats.org/officeDocument/2006/customXml" ds:itemID="{B9AEDDE3-EA02-4A8F-B8F8-0606A0AA45FC}">
+  <ds:schemaRefs/>
+</ds:datastoreItem>
+</file>
+
+<file path=customXml/itemProps6.xml><?xml version="1.0" encoding="utf-8"?>
+<ds:datastoreItem xmlns:ds="http://schemas.openxmlformats.org/officeDocument/2006/customXml" ds:itemID="{F9EA4199-0422-4413-A754-2C125F2EC711}">
+  <ds:schemaRefs/>
+</ds:datastoreItem>
+</file>
+
+<file path=customXml/itemProps60.xml><?xml version="1.0" encoding="utf-8"?>
+<ds:datastoreItem xmlns:ds="http://schemas.openxmlformats.org/officeDocument/2006/customXml" ds:itemID="{D8D9A393-C48A-40B8-BEDE-8D14C03EAE5F}">
+  <ds:schemaRefs/>
+</ds:datastoreItem>
+</file>
+
+<file path=customXml/itemProps61.xml><?xml version="1.0" encoding="utf-8"?>
+<ds:datastoreItem xmlns:ds="http://schemas.openxmlformats.org/officeDocument/2006/customXml" ds:itemID="{1CE36EA9-2186-4EB1-871A-8AE59C2A13BB}">
+  <ds:schemaRefs/>
+</ds:datastoreItem>
+</file>
+
+<file path=customXml/itemProps62.xml><?xml version="1.0" encoding="utf-8"?>
+<ds:datastoreItem xmlns:ds="http://schemas.openxmlformats.org/officeDocument/2006/customXml" ds:itemID="{2A80BC17-E4E0-47C5-A0D3-870E9026842E}">
+  <ds:schemaRefs/>
+</ds:datastoreItem>
+</file>
+
+<file path=customXml/itemProps63.xml><?xml version="1.0" encoding="utf-8"?>
+<ds:datastoreItem xmlns:ds="http://schemas.openxmlformats.org/officeDocument/2006/customXml" ds:itemID="{56045A61-CFED-4D06-8FAA-755D062DC635}">
+  <ds:schemaRefs/>
+</ds:datastoreItem>
+</file>
+
+<file path=customXml/itemProps64.xml><?xml version="1.0" encoding="utf-8"?>
+<ds:datastoreItem xmlns:ds="http://schemas.openxmlformats.org/officeDocument/2006/customXml" ds:itemID="{5EE69A3B-9909-4BD1-B192-F0D6C7BEA00F}">
+  <ds:schemaRefs/>
+</ds:datastoreItem>
+</file>
+
+<file path=customXml/itemProps65.xml><?xml version="1.0" encoding="utf-8"?>
+<ds:datastoreItem xmlns:ds="http://schemas.openxmlformats.org/officeDocument/2006/customXml" ds:itemID="{7E8ADA11-2CB7-4168-80FB-577BF6EE71F8}">
+  <ds:schemaRefs/>
+</ds:datastoreItem>
+</file>
+
+<file path=customXml/itemProps66.xml><?xml version="1.0" encoding="utf-8"?>
+<ds:datastoreItem xmlns:ds="http://schemas.openxmlformats.org/officeDocument/2006/customXml" ds:itemID="{4A3469D6-C624-4F59-ACB1-2AB669627B6C}">
+  <ds:schemaRefs/>
+</ds:datastoreItem>
+</file>
+
+<file path=customXml/itemProps67.xml><?xml version="1.0" encoding="utf-8"?>
+<ds:datastoreItem xmlns:ds="http://schemas.openxmlformats.org/officeDocument/2006/customXml" ds:itemID="{2DD124FE-07FB-4A02-81AD-26D2B5D4A570}">
+  <ds:schemaRefs/>
+</ds:datastoreItem>
+</file>
+
+<file path=customXml/itemProps68.xml><?xml version="1.0" encoding="utf-8"?>
+<ds:datastoreItem xmlns:ds="http://schemas.openxmlformats.org/officeDocument/2006/customXml" ds:itemID="{86BE0DFE-4F90-4564-91FC-BAF49BE1C36F}">
+  <ds:schemaRefs/>
+</ds:datastoreItem>
+</file>
+
+<file path=customXml/itemProps69.xml><?xml version="1.0" encoding="utf-8"?>
+<ds:datastoreItem xmlns:ds="http://schemas.openxmlformats.org/officeDocument/2006/customXml" ds:itemID="{01F69430-35AD-4D6A-BF03-EA214863FB59}">
+  <ds:schemaRefs/>
+</ds:datastoreItem>
+</file>
+
+<file path=customXml/itemProps7.xml><?xml version="1.0" encoding="utf-8"?>
+<ds:datastoreItem xmlns:ds="http://schemas.openxmlformats.org/officeDocument/2006/customXml" ds:itemID="{32BA7684-6BE4-4F73-B22E-30934AB379B8}">
+  <ds:schemaRefs/>
+</ds:datastoreItem>
+</file>
+
+<file path=customXml/itemProps70.xml><?xml version="1.0" encoding="utf-8"?>
+<ds:datastoreItem xmlns:ds="http://schemas.openxmlformats.org/officeDocument/2006/customXml" ds:itemID="{C603FEC4-6110-45FB-9E0D-8B8869730499}">
+  <ds:schemaRefs/>
+</ds:datastoreItem>
+</file>
+
+<file path=customXml/itemProps71.xml><?xml version="1.0" encoding="utf-8"?>
+<ds:datastoreItem xmlns:ds="http://schemas.openxmlformats.org/officeDocument/2006/customXml" ds:itemID="{1442A913-5FC5-483F-A17A-4A12A88E6F5C}">
+  <ds:schemaRefs/>
+</ds:datastoreItem>
+</file>
+
+<file path=customXml/itemProps72.xml><?xml version="1.0" encoding="utf-8"?>
+<ds:datastoreItem xmlns:ds="http://schemas.openxmlformats.org/officeDocument/2006/customXml" ds:itemID="{E567AA99-2C15-47ED-93E7-EF41E6306CDE}">
+  <ds:schemaRefs/>
+</ds:datastoreItem>
+</file>
+
+<file path=customXml/itemProps73.xml><?xml version="1.0" encoding="utf-8"?>
+<ds:datastoreItem xmlns:ds="http://schemas.openxmlformats.org/officeDocument/2006/customXml" ds:itemID="{DFBED128-E1E8-4B03-B2D5-B2D87CAFC336}">
+  <ds:schemaRefs/>
+</ds:datastoreItem>
+</file>
+
+<file path=customXml/itemProps74.xml><?xml version="1.0" encoding="utf-8"?>
+<ds:datastoreItem xmlns:ds="http://schemas.openxmlformats.org/officeDocument/2006/customXml" ds:itemID="{A281796A-B4D4-4974-A3ED-9286EDA84ADC}">
+  <ds:schemaRefs/>
+</ds:datastoreItem>
+</file>
+
+<file path=customXml/itemProps75.xml><?xml version="1.0" encoding="utf-8"?>
+<ds:datastoreItem xmlns:ds="http://schemas.openxmlformats.org/officeDocument/2006/customXml" ds:itemID="{AB3379C1-BA4E-46BD-AAE3-7A87CC7DACBC}">
+  <ds:schemaRefs/>
+</ds:datastoreItem>
+</file>
+
+<file path=customXml/itemProps76.xml><?xml version="1.0" encoding="utf-8"?>
+<ds:datastoreItem xmlns:ds="http://schemas.openxmlformats.org/officeDocument/2006/customXml" ds:itemID="{25406650-5074-4327-91FF-F248079172E6}">
+  <ds:schemaRefs/>
+</ds:datastoreItem>
+</file>
+
+<file path=customXml/itemProps77.xml><?xml version="1.0" encoding="utf-8"?>
+<ds:datastoreItem xmlns:ds="http://schemas.openxmlformats.org/officeDocument/2006/customXml" ds:itemID="{40E719A3-ADA7-4E20-A1A7-7B3573F21752}">
+  <ds:schemaRefs/>
+</ds:datastoreItem>
+</file>
+
+<file path=customXml/itemProps78.xml><?xml version="1.0" encoding="utf-8"?>
+<ds:datastoreItem xmlns:ds="http://schemas.openxmlformats.org/officeDocument/2006/customXml" ds:itemID="{9BCC0112-165B-4304-B86E-29468689B88A}">
+  <ds:schemaRefs/>
+</ds:datastoreItem>
+</file>
+
+<file path=customXml/itemProps79.xml><?xml version="1.0" encoding="utf-8"?>
+<ds:datastoreItem xmlns:ds="http://schemas.openxmlformats.org/officeDocument/2006/customXml" ds:itemID="{07958A4E-FAB1-42E4-B6B5-29B01F63F87B}">
+  <ds:schemaRefs/>
+</ds:datastoreItem>
+</file>
+
+<file path=customXml/itemProps8.xml><?xml version="1.0" encoding="utf-8"?>
+<ds:datastoreItem xmlns:ds="http://schemas.openxmlformats.org/officeDocument/2006/customXml" ds:itemID="{683FEB75-8CFA-449C-A6B1-B1E4A86A58A1}">
+  <ds:schemaRefs/>
+</ds:datastoreItem>
+</file>
+
+<file path=customXml/itemProps80.xml><?xml version="1.0" encoding="utf-8"?>
+<ds:datastoreItem xmlns:ds="http://schemas.openxmlformats.org/officeDocument/2006/customXml" ds:itemID="{E5EF1232-BB79-4D6A-BC90-F5535AA0305D}">
+  <ds:schemaRefs/>
+</ds:datastoreItem>
+</file>
+
+<file path=customXml/itemProps81.xml><?xml version="1.0" encoding="utf-8"?>
+<ds:datastoreItem xmlns:ds="http://schemas.openxmlformats.org/officeDocument/2006/customXml" ds:itemID="{72516535-7702-46AF-9B1F-8623A67A824E}">
+  <ds:schemaRefs/>
+</ds:datastoreItem>
+</file>
+
+<file path=customXml/itemProps82.xml><?xml version="1.0" encoding="utf-8"?>
+<ds:datastoreItem xmlns:ds="http://schemas.openxmlformats.org/officeDocument/2006/customXml" ds:itemID="{0609D081-6D6D-449D-8172-F647DB0470B3}">
+  <ds:schemaRefs/>
+</ds:datastoreItem>
+</file>
+
+<file path=customXml/itemProps83.xml><?xml version="1.0" encoding="utf-8"?>
+<ds:datastoreItem xmlns:ds="http://schemas.openxmlformats.org/officeDocument/2006/customXml" ds:itemID="{57A985C1-0E4B-44F2-9A8B-3EF4CC362D67}">
+  <ds:schemaRefs/>
+</ds:datastoreItem>
+</file>
+
+<file path=customXml/itemProps84.xml><?xml version="1.0" encoding="utf-8"?>
+<ds:datastoreItem xmlns:ds="http://schemas.openxmlformats.org/officeDocument/2006/customXml" ds:itemID="{086AEA7D-F3EF-4D79-B97E-8B5E3B989E16}">
+  <ds:schemaRefs/>
+</ds:datastoreItem>
+</file>
+
+<file path=customXml/itemProps85.xml><?xml version="1.0" encoding="utf-8"?>
+<ds:datastoreItem xmlns:ds="http://schemas.openxmlformats.org/officeDocument/2006/customXml" ds:itemID="{BC373216-3ACD-4999-A714-21A2A5217226}">
+  <ds:schemaRefs/>
+</ds:datastoreItem>
+</file>
+
+<file path=customXml/itemProps86.xml><?xml version="1.0" encoding="utf-8"?>
+<ds:datastoreItem xmlns:ds="http://schemas.openxmlformats.org/officeDocument/2006/customXml" ds:itemID="{8CF8F1C6-185F-4DF5-A79D-73E67AC22572}">
+  <ds:schemaRefs/>
+</ds:datastoreItem>
+</file>
+
+<file path=customXml/itemProps87.xml><?xml version="1.0" encoding="utf-8"?>
+<ds:datastoreItem xmlns:ds="http://schemas.openxmlformats.org/officeDocument/2006/customXml" ds:itemID="{C09F197C-6A49-47D0-B877-F88807989676}">
+  <ds:schemaRefs/>
+</ds:datastoreItem>
+</file>
+
+<file path=customXml/itemProps88.xml><?xml version="1.0" encoding="utf-8"?>
+<ds:datastoreItem xmlns:ds="http://schemas.openxmlformats.org/officeDocument/2006/customXml" ds:itemID="{F033AB48-A2BC-448A-8A11-F0B5C23A24D5}">
+  <ds:schemaRefs/>
+</ds:datastoreItem>
+</file>
+
+<file path=customXml/itemProps89.xml><?xml version="1.0" encoding="utf-8"?>
+<ds:datastoreItem xmlns:ds="http://schemas.openxmlformats.org/officeDocument/2006/customXml" ds:itemID="{8E8F4A48-D601-452C-9CF1-6C1E03A79FC9}">
+  <ds:schemaRefs/>
+</ds:datastoreItem>
+</file>
+
+<file path=customXml/itemProps9.xml><?xml version="1.0" encoding="utf-8"?>
 <ds:datastoreItem xmlns:ds="http://schemas.openxmlformats.org/officeDocument/2006/customXml" ds:itemID="{1874C0A2-48F5-4960-8E1E-131138C1643F}">
   <ds:schemaRefs/>
 </ds:datastoreItem>
 </file>
 
-<file path=customXml/itemProps36.xml><?xml version="1.0" encoding="utf-8"?>
-<ds:datastoreItem xmlns:ds="http://schemas.openxmlformats.org/officeDocument/2006/customXml" ds:itemID="{D92C3DF5-A179-4E2D-BD20-07044B39171F}">
+<file path=customXml/itemProps90.xml><?xml version="1.0" encoding="utf-8"?>
+<ds:datastoreItem xmlns:ds="http://schemas.openxmlformats.org/officeDocument/2006/customXml" ds:itemID="{847502A6-7CBE-43AF-BDF6-4D4423521D8C}">
   <ds:schemaRefs/>
 </ds:datastoreItem>
 </file>
 
-<file path=customXml/itemProps37.xml><?xml version="1.0" encoding="utf-8"?>
-<ds:datastoreItem xmlns:ds="http://schemas.openxmlformats.org/officeDocument/2006/customXml" ds:itemID="{619A3781-1EA1-4E71-BB08-DAEF5186D98B}">
+<file path=customXml/itemProps91.xml><?xml version="1.0" encoding="utf-8"?>
+<ds:datastoreItem xmlns:ds="http://schemas.openxmlformats.org/officeDocument/2006/customXml" ds:itemID="{FF27C676-337F-4BE0-8809-1BDF4A5C161F}">
   <ds:schemaRefs/>
 </ds:datastoreItem>
 </file>
 
-<file path=customXml/itemProps38.xml><?xml version="1.0" encoding="utf-8"?>
-<ds:datastoreItem xmlns:ds="http://schemas.openxmlformats.org/officeDocument/2006/customXml" ds:itemID="{EFEDBDE8-85C4-4B52-9E38-E7C97633079C}">
+<file path=customXml/itemProps92.xml><?xml version="1.0" encoding="utf-8"?>
+<ds:datastoreItem xmlns:ds="http://schemas.openxmlformats.org/officeDocument/2006/customXml" ds:itemID="{7DE9A92D-0A85-4077-AE65-FEDD1D7D995C}">
   <ds:schemaRefs/>
 </ds:datastoreItem>
 </file>
 
-<file path=customXml/itemProps39.xml><?xml version="1.0" encoding="utf-8"?>
-<ds:datastoreItem xmlns:ds="http://schemas.openxmlformats.org/officeDocument/2006/customXml" ds:itemID="{58CC0B31-82B9-497A-9A2E-F3F72D0BBDAD}">
+<file path=customXml/itemProps93.xml><?xml version="1.0" encoding="utf-8"?>
+<ds:datastoreItem xmlns:ds="http://schemas.openxmlformats.org/officeDocument/2006/customXml" ds:itemID="{88A0A0DC-04DF-419C-AD3E-370C74BA632D}">
   <ds:schemaRefs/>
 </ds:datastoreItem>
 </file>
 
-<file path=customXml/itemProps4.xml><?xml version="1.0" encoding="utf-8"?>
+<file path=customXml/itemProps94.xml><?xml version="1.0" encoding="utf-8"?>
+<ds:datastoreItem xmlns:ds="http://schemas.openxmlformats.org/officeDocument/2006/customXml" ds:itemID="{9AF1F1AE-2893-4413-B89B-6C22F622B7B0}">
+  <ds:schemaRefs/>
+</ds:datastoreItem>
+</file>
+
+<file path=customXml/itemProps95.xml><?xml version="1.0" encoding="utf-8"?>
 <ds:datastoreItem xmlns:ds="http://schemas.openxmlformats.org/officeDocument/2006/customXml" ds:itemID="{0183ED2C-7FB6-4F52-BCA8-B77F5A9943DA}">
   <ds:schemaRefs/>
 </ds:datastoreItem>
 </file>
 
-<file path=customXml/itemProps40.xml><?xml version="1.0" encoding="utf-8"?>
-<ds:datastoreItem xmlns:ds="http://schemas.openxmlformats.org/officeDocument/2006/customXml" ds:itemID="{BE75A417-9EE4-45B6-9D13-9387E19EAE84}">
-  <ds:schemaRefs/>
-</ds:datastoreItem>
-</file>
-
-<file path=customXml/itemProps41.xml><?xml version="1.0" encoding="utf-8"?>
-<ds:datastoreItem xmlns:ds="http://schemas.openxmlformats.org/officeDocument/2006/customXml" ds:itemID="{DBCDA9A0-20A8-4164-83E1-FA035412CFB1}">
-  <ds:schemaRefs/>
-</ds:datastoreItem>
-</file>
-
-<file path=customXml/itemProps42.xml><?xml version="1.0" encoding="utf-8"?>
-<ds:datastoreItem xmlns:ds="http://schemas.openxmlformats.org/officeDocument/2006/customXml" ds:itemID="{1CE36EA9-2186-4EB1-871A-8AE59C2A13BB}">
-  <ds:schemaRefs/>
-</ds:datastoreItem>
-</file>
-
-<file path=customXml/itemProps43.xml><?xml version="1.0" encoding="utf-8"?>
-<ds:datastoreItem xmlns:ds="http://schemas.openxmlformats.org/officeDocument/2006/customXml" ds:itemID="{41738A78-FE23-414B-9699-83FCDB2186EF}">
-  <ds:schemaRefs/>
-</ds:datastoreItem>
-</file>
-
-<file path=customXml/itemProps44.xml><?xml version="1.0" encoding="utf-8"?>
-<ds:datastoreItem xmlns:ds="http://schemas.openxmlformats.org/officeDocument/2006/customXml" ds:itemID="{01F69430-35AD-4D6A-BF03-EA214863FB59}">
-  <ds:schemaRefs/>
-</ds:datastoreItem>
-</file>
-
-<file path=customXml/itemProps45.xml><?xml version="1.0" encoding="utf-8"?>
-<ds:datastoreItem xmlns:ds="http://schemas.openxmlformats.org/officeDocument/2006/customXml" ds:itemID="{DD648353-642A-433C-8196-006048BE519C}">
-  <ds:schemaRefs/>
-</ds:datastoreItem>
-</file>
-
-<file path=customXml/itemProps46.xml><?xml version="1.0" encoding="utf-8"?>
-<ds:datastoreItem xmlns:ds="http://schemas.openxmlformats.org/officeDocument/2006/customXml" ds:itemID="{F033AB48-A2BC-448A-8A11-F0B5C23A24D5}">
-  <ds:schemaRefs/>
-</ds:datastoreItem>
-</file>
-
-<file path=customXml/itemProps47.xml><?xml version="1.0" encoding="utf-8"?>
-<ds:datastoreItem xmlns:ds="http://schemas.openxmlformats.org/officeDocument/2006/customXml" ds:itemID="{28DEEDCC-0809-4C1F-BA26-DED72A4CD155}">
-  <ds:schemaRefs/>
-</ds:datastoreItem>
-</file>
-
-<file path=customXml/itemProps48.xml><?xml version="1.0" encoding="utf-8"?>
-<ds:datastoreItem xmlns:ds="http://schemas.openxmlformats.org/officeDocument/2006/customXml" ds:itemID="{3F40017D-675E-4378-B4CD-0EBA3B5498D0}">
-  <ds:schemaRefs/>
-</ds:datastoreItem>
-</file>
-
-<file path=customXml/itemProps49.xml><?xml version="1.0" encoding="utf-8"?>
-<ds:datastoreItem xmlns:ds="http://schemas.openxmlformats.org/officeDocument/2006/customXml" ds:itemID="{D75684D2-F9FB-419A-847B-7182F129EAC1}">
-  <ds:schemaRefs/>
-</ds:datastoreItem>
-</file>
-
-<file path=customXml/itemProps5.xml><?xml version="1.0" encoding="utf-8"?>
-<ds:datastoreItem xmlns:ds="http://schemas.openxmlformats.org/officeDocument/2006/customXml" ds:itemID="{C8184724-C58D-47DA-9F95-DBD6A20D009C}">
-  <ds:schemaRefs/>
-</ds:datastoreItem>
-</file>
-
-<file path=customXml/itemProps50.xml><?xml version="1.0" encoding="utf-8"?>
-<ds:datastoreItem xmlns:ds="http://schemas.openxmlformats.org/officeDocument/2006/customXml" ds:itemID="{EFD374A6-E385-45C3-B4AD-34934C3520D8}">
-  <ds:schemaRefs/>
-</ds:datastoreItem>
-</file>
-
-<file path=customXml/itemProps51.xml><?xml version="1.0" encoding="utf-8"?>
-<ds:datastoreItem xmlns:ds="http://schemas.openxmlformats.org/officeDocument/2006/customXml" ds:itemID="{E47C3BF3-6A00-45C3-A58A-4B7688D77B5A}">
-  <ds:schemaRefs/>
-</ds:datastoreItem>
-</file>
-
-<file path=customXml/itemProps52.xml><?xml version="1.0" encoding="utf-8"?>
-<ds:datastoreItem xmlns:ds="http://schemas.openxmlformats.org/officeDocument/2006/customXml" ds:itemID="{203EA989-5979-4175-8900-7F343BA15BCC}">
-  <ds:schemaRefs/>
-</ds:datastoreItem>
-</file>
-
-<file path=customXml/itemProps53.xml><?xml version="1.0" encoding="utf-8"?>
-<ds:datastoreItem xmlns:ds="http://schemas.openxmlformats.org/officeDocument/2006/customXml" ds:itemID="{E404C558-C7F1-44B6-AE91-B693B87B79D8}">
-  <ds:schemaRefs/>
-</ds:datastoreItem>
-</file>
-
-<file path=customXml/itemProps54.xml><?xml version="1.0" encoding="utf-8"?>
-<ds:datastoreItem xmlns:ds="http://schemas.openxmlformats.org/officeDocument/2006/customXml" ds:itemID="{2BF73458-612B-4466-A81F-22DA6A324795}">
-  <ds:schemaRefs/>
-</ds:datastoreItem>
-</file>
-
-<file path=customXml/itemProps55.xml><?xml version="1.0" encoding="utf-8"?>
-<ds:datastoreItem xmlns:ds="http://schemas.openxmlformats.org/officeDocument/2006/customXml" ds:itemID="{E5EF1232-BB79-4D6A-BC90-F5535AA0305D}">
-  <ds:schemaRefs/>
-</ds:datastoreItem>
-</file>
-
-<file path=customXml/itemProps56.xml><?xml version="1.0" encoding="utf-8"?>
-<ds:datastoreItem xmlns:ds="http://schemas.openxmlformats.org/officeDocument/2006/customXml" ds:itemID="{1F3B0893-AF25-48B1-B36C-1EB611E1C001}">
-  <ds:schemaRefs/>
-</ds:datastoreItem>
-</file>
-
-<file path=customXml/itemProps57.xml><?xml version="1.0" encoding="utf-8"?>
-<ds:datastoreItem xmlns:ds="http://schemas.openxmlformats.org/officeDocument/2006/customXml" ds:itemID="{B9AEDDE3-EA02-4A8F-B8F8-0606A0AA45FC}">
-  <ds:schemaRefs/>
-</ds:datastoreItem>
-</file>
-
-<file path=customXml/itemProps58.xml><?xml version="1.0" encoding="utf-8"?>
-<ds:datastoreItem xmlns:ds="http://schemas.openxmlformats.org/officeDocument/2006/customXml" ds:itemID="{2A80BC17-E4E0-47C5-A0D3-870E9026842E}">
-  <ds:schemaRefs/>
-</ds:datastoreItem>
-</file>
-
-<file path=customXml/itemProps59.xml><?xml version="1.0" encoding="utf-8"?>
-<ds:datastoreItem xmlns:ds="http://schemas.openxmlformats.org/officeDocument/2006/customXml" ds:itemID="{4A3469D6-C624-4F59-ACB1-2AB669627B6C}">
-  <ds:schemaRefs/>
-</ds:datastoreItem>
-</file>
-
-<file path=customXml/itemProps6.xml><?xml version="1.0" encoding="utf-8"?>
-<ds:datastoreItem xmlns:ds="http://schemas.openxmlformats.org/officeDocument/2006/customXml" ds:itemID="{FAA5C529-0685-42EB-9234-127925B67CAA}">
-  <ds:schemaRefs/>
-</ds:datastoreItem>
-</file>
-
-<file path=customXml/itemProps60.xml><?xml version="1.0" encoding="utf-8"?>
-<ds:datastoreItem xmlns:ds="http://schemas.openxmlformats.org/officeDocument/2006/customXml" ds:itemID="{88A0A0DC-04DF-419C-AD3E-370C74BA632D}">
-  <ds:schemaRefs/>
-</ds:datastoreItem>
-</file>
-
-<file path=customXml/itemProps61.xml><?xml version="1.0" encoding="utf-8"?>
-<ds:datastoreItem xmlns:ds="http://schemas.openxmlformats.org/officeDocument/2006/customXml" ds:itemID="{683FEB75-8CFA-449C-A6B1-B1E4A86A58A1}">
-  <ds:schemaRefs/>
-</ds:datastoreItem>
-</file>
-
-<file path=customXml/itemProps62.xml><?xml version="1.0" encoding="utf-8"?>
-<ds:datastoreItem xmlns:ds="http://schemas.openxmlformats.org/officeDocument/2006/customXml" ds:itemID="{8E8F4A48-D601-452C-9CF1-6C1E03A79FC9}">
-  <ds:schemaRefs/>
-</ds:datastoreItem>
-</file>
-
-<file path=customXml/itemProps63.xml><?xml version="1.0" encoding="utf-8"?>
-<ds:datastoreItem xmlns:ds="http://schemas.openxmlformats.org/officeDocument/2006/customXml" ds:itemID="{086AEA7D-F3EF-4D79-B97E-8B5E3B989E16}">
-  <ds:schemaRefs/>
-</ds:datastoreItem>
-</file>
-
-<file path=customXml/itemProps64.xml><?xml version="1.0" encoding="utf-8"?>
-<ds:datastoreItem xmlns:ds="http://schemas.openxmlformats.org/officeDocument/2006/customXml" ds:itemID="{25406650-5074-4327-91FF-F248079172E6}">
-  <ds:schemaRefs/>
-</ds:datastoreItem>
-</file>
-
-<file path=customXml/itemProps65.xml><?xml version="1.0" encoding="utf-8"?>
-<ds:datastoreItem xmlns:ds="http://schemas.openxmlformats.org/officeDocument/2006/customXml" ds:itemID="{04804280-6C02-4A40-BDFC-7F3FCB331E9B}">
-  <ds:schemaRefs/>
-</ds:datastoreItem>
-</file>
-
-<file path=customXml/itemProps66.xml><?xml version="1.0" encoding="utf-8"?>
-<ds:datastoreItem xmlns:ds="http://schemas.openxmlformats.org/officeDocument/2006/customXml" ds:itemID="{083C3993-7183-47B5-BD94-27B4E74D8F7E}">
-  <ds:schemaRefs/>
-</ds:datastoreItem>
-</file>
-
-<file path=customXml/itemProps67.xml><?xml version="1.0" encoding="utf-8"?>
-<ds:datastoreItem xmlns:ds="http://schemas.openxmlformats.org/officeDocument/2006/customXml" ds:itemID="{10BA0679-81B2-4BE6-B8F1-F8B3FB69E732}">
-  <ds:schemaRefs/>
-</ds:datastoreItem>
-</file>
-
-<file path=customXml/itemProps68.xml><?xml version="1.0" encoding="utf-8"?>
-<ds:datastoreItem xmlns:ds="http://schemas.openxmlformats.org/officeDocument/2006/customXml" ds:itemID="{D8D9A393-C48A-40B8-BEDE-8D14C03EAE5F}">
-  <ds:schemaRefs/>
-</ds:datastoreItem>
-</file>
-
-<file path=customXml/itemProps69.xml><?xml version="1.0" encoding="utf-8"?>
+<file path=customXml/itemProps96.xml><?xml version="1.0" encoding="utf-8"?>
 <ds:datastoreItem xmlns:ds="http://schemas.openxmlformats.org/officeDocument/2006/customXml" ds:itemID="{DF389E61-98E9-4448-A64D-5DFB92E118EB}">
   <ds:schemaRefs/>
 </ds:datastoreItem>
 </file>
 
-<file path=customXml/itemProps7.xml><?xml version="1.0" encoding="utf-8"?>
+<file path=customXml/itemProps97.xml><?xml version="1.0" encoding="utf-8"?>
+<ds:datastoreItem xmlns:ds="http://schemas.openxmlformats.org/officeDocument/2006/customXml" ds:itemID="{48170A45-32C8-4844-A5A8-2914CAC05126}">
+  <ds:schemaRefs/>
+</ds:datastoreItem>
+</file>
+
+<file path=customXml/itemProps98.xml><?xml version="1.0" encoding="utf-8"?>
 <ds:datastoreItem xmlns:ds="http://schemas.openxmlformats.org/officeDocument/2006/customXml" ds:itemID="{CB1124D8-3696-4D80-863A-868A828A06F8}">
   <ds:schemaRefs/>
 </ds:datastoreItem>
 </file>
 
-<file path=customXml/itemProps70.xml><?xml version="1.0" encoding="utf-8"?>
-<ds:datastoreItem xmlns:ds="http://schemas.openxmlformats.org/officeDocument/2006/customXml" ds:itemID="{829C987D-F0DD-4799-AFAB-DE873260F77C}">
-  <ds:schemaRefs/>
-</ds:datastoreItem>
-</file>
-
-<file path=customXml/itemProps71.xml><?xml version="1.0" encoding="utf-8"?>
-<ds:datastoreItem xmlns:ds="http://schemas.openxmlformats.org/officeDocument/2006/customXml" ds:itemID="{642233EF-7CA2-4AF1-8463-30952BD1FF16}">
-  <ds:schemaRefs/>
-</ds:datastoreItem>
-</file>
-
-<file path=customXml/itemProps72.xml><?xml version="1.0" encoding="utf-8"?>
-<ds:datastoreItem xmlns:ds="http://schemas.openxmlformats.org/officeDocument/2006/customXml" ds:itemID="{1442A913-5FC5-483F-A17A-4A12A88E6F5C}">
-  <ds:schemaRefs/>
-</ds:datastoreItem>
-</file>
-
-<file path=customXml/itemProps73.xml><?xml version="1.0" encoding="utf-8"?>
-<ds:datastoreItem xmlns:ds="http://schemas.openxmlformats.org/officeDocument/2006/customXml" ds:itemID="{E567AA99-2C15-47ED-93E7-EF41E6306CDE}">
-  <ds:schemaRefs/>
-</ds:datastoreItem>
-</file>
-
-<file path=customXml/itemProps74.xml><?xml version="1.0" encoding="utf-8"?>
-<ds:datastoreItem xmlns:ds="http://schemas.openxmlformats.org/officeDocument/2006/customXml" ds:itemID="{BC373216-3ACD-4999-A714-21A2A5217226}">
-  <ds:schemaRefs/>
-</ds:datastoreItem>
-</file>
-
-<file path=customXml/itemProps75.xml><?xml version="1.0" encoding="utf-8"?>
-<ds:datastoreItem xmlns:ds="http://schemas.openxmlformats.org/officeDocument/2006/customXml" ds:itemID="{07958A4E-FAB1-42E4-B6B5-29B01F63F87B}">
-  <ds:schemaRefs/>
-</ds:datastoreItem>
-</file>
-
-<file path=customXml/itemProps76.xml><?xml version="1.0" encoding="utf-8"?>
-<ds:datastoreItem xmlns:ds="http://schemas.openxmlformats.org/officeDocument/2006/customXml" ds:itemID="{D72AD174-A5D3-435E-B133-40AF39B01261}">
-  <ds:schemaRefs/>
-</ds:datastoreItem>
-</file>
-
-<file path=customXml/itemProps77.xml><?xml version="1.0" encoding="utf-8"?>
-<ds:datastoreItem xmlns:ds="http://schemas.openxmlformats.org/officeDocument/2006/customXml" ds:itemID="{3EAA0770-3AD4-41E8-9D74-B1F891F135C4}">
-  <ds:schemaRefs/>
-</ds:datastoreItem>
-</file>
-
-<file path=customXml/itemProps78.xml><?xml version="1.0" encoding="utf-8"?>
-<ds:datastoreItem xmlns:ds="http://schemas.openxmlformats.org/officeDocument/2006/customXml" ds:itemID="{2BC4599F-87B5-4C8F-BBCF-84EA289602F6}">
-  <ds:schemaRefs/>
-</ds:datastoreItem>
-</file>
-
-<file path=customXml/itemProps79.xml><?xml version="1.0" encoding="utf-8"?>
-<ds:datastoreItem xmlns:ds="http://schemas.openxmlformats.org/officeDocument/2006/customXml" ds:itemID="{35F02230-55B6-44A2-9D58-124BB401D0B7}">
-  <ds:schemaRefs/>
-</ds:datastoreItem>
-</file>
-
-<file path=customXml/itemProps8.xml><?xml version="1.0" encoding="utf-8"?>
-<ds:datastoreItem xmlns:ds="http://schemas.openxmlformats.org/officeDocument/2006/customXml" ds:itemID="{4806FE04-7A17-4C9E-AC54-73FC62DE9B50}">
-  <ds:schemaRefs/>
-</ds:datastoreItem>
-</file>
-
-<file path=customXml/itemProps80.xml><?xml version="1.0" encoding="utf-8"?>
-<ds:datastoreItem xmlns:ds="http://schemas.openxmlformats.org/officeDocument/2006/customXml" ds:itemID="{C463B93A-5468-4658-A31C-D5C28A59D643}">
-  <ds:schemaRefs/>
-</ds:datastoreItem>
-</file>
-
-<file path=customXml/itemProps81.xml><?xml version="1.0" encoding="utf-8"?>
-<ds:datastoreItem xmlns:ds="http://schemas.openxmlformats.org/officeDocument/2006/customXml" ds:itemID="{DE480E74-E426-4A5E-B075-C839B2ACE772}">
-  <ds:schemaRefs/>
-</ds:datastoreItem>
-</file>
-
-<file path=customXml/itemProps82.xml><?xml version="1.0" encoding="utf-8"?>
-<ds:datastoreItem xmlns:ds="http://schemas.openxmlformats.org/officeDocument/2006/customXml" ds:itemID="{B5E3F27C-1797-44F4-A8FE-1B095B4DFE1E}">
-  <ds:schemaRefs/>
-</ds:datastoreItem>
-</file>
-
-<file path=customXml/itemProps83.xml><?xml version="1.0" encoding="utf-8"?>
-<ds:datastoreItem xmlns:ds="http://schemas.openxmlformats.org/officeDocument/2006/customXml" ds:itemID="{353B6855-1E72-4922-B27D-87797533E229}">
-  <ds:schemaRefs/>
-</ds:datastoreItem>
-</file>
-
-<file path=customXml/itemProps84.xml><?xml version="1.0" encoding="utf-8"?>
-<ds:datastoreItem xmlns:ds="http://schemas.openxmlformats.org/officeDocument/2006/customXml" ds:itemID="{335D1378-9509-45D4-A2B4-76EE025CF63B}">
-  <ds:schemaRefs/>
-</ds:datastoreItem>
-</file>
-
-<file path=customXml/itemProps85.xml><?xml version="1.0" encoding="utf-8"?>
-<ds:datastoreItem xmlns:ds="http://schemas.openxmlformats.org/officeDocument/2006/customXml" ds:itemID="{2DD124FE-07FB-4A02-81AD-26D2B5D4A570}">
-  <ds:schemaRefs/>
-</ds:datastoreItem>
-</file>
-
-<file path=customXml/itemProps86.xml><?xml version="1.0" encoding="utf-8"?>
-<ds:datastoreItem xmlns:ds="http://schemas.openxmlformats.org/officeDocument/2006/customXml" ds:itemID="{4C8B25CE-F76B-4533-864B-E0E49EE221B8}">
-  <ds:schemaRefs/>
-</ds:datastoreItem>
-</file>
-
-<file path=customXml/itemProps87.xml><?xml version="1.0" encoding="utf-8"?>
-<ds:datastoreItem xmlns:ds="http://schemas.openxmlformats.org/officeDocument/2006/customXml" ds:itemID="{56045A61-CFED-4D06-8FAA-755D062DC635}">
-  <ds:schemaRefs/>
-</ds:datastoreItem>
-</file>
-
-<file path=customXml/itemProps88.xml><?xml version="1.0" encoding="utf-8"?>
-<ds:datastoreItem xmlns:ds="http://schemas.openxmlformats.org/officeDocument/2006/customXml" ds:itemID="{0609D081-6D6D-449D-8172-F647DB0470B3}">
-  <ds:schemaRefs/>
-</ds:datastoreItem>
-</file>
-
-<file path=customXml/itemProps89.xml><?xml version="1.0" encoding="utf-8"?>
-<ds:datastoreItem xmlns:ds="http://schemas.openxmlformats.org/officeDocument/2006/customXml" ds:itemID="{847502A6-7CBE-43AF-BDF6-4D4423521D8C}">
-  <ds:schemaRefs/>
-</ds:datastoreItem>
-</file>
-
-<file path=customXml/itemProps9.xml><?xml version="1.0" encoding="utf-8"?>
-<ds:datastoreItem xmlns:ds="http://schemas.openxmlformats.org/officeDocument/2006/customXml" ds:itemID="{449D10AE-13B3-4066-A8D1-643579DD981C}">
-  <ds:schemaRefs/>
-</ds:datastoreItem>
-</file>
-
-<file path=customXml/itemProps90.xml><?xml version="1.0" encoding="utf-8"?>
-<ds:datastoreItem xmlns:ds="http://schemas.openxmlformats.org/officeDocument/2006/customXml" ds:itemID="{9E2B8D07-EEFE-44FD-BED1-E7A3DC977FB8}">
-  <ds:schemaRefs/>
-</ds:datastoreItem>
-</file>
-
-<file path=customXml/itemProps91.xml><?xml version="1.0" encoding="utf-8"?>
-<ds:datastoreItem xmlns:ds="http://schemas.openxmlformats.org/officeDocument/2006/customXml" ds:itemID="{98F4E21C-EEC3-499F-9529-3320C90701D6}">
-  <ds:schemaRefs/>
-</ds:datastoreItem>
-</file>
-
-<file path=customXml/itemProps92.xml><?xml version="1.0" encoding="utf-8"?>
-<ds:datastoreItem xmlns:ds="http://schemas.openxmlformats.org/officeDocument/2006/customXml" ds:itemID="{787FE5CD-7CBC-43CE-BB00-860E3223E59E}">
-  <ds:schemaRefs/>
-</ds:datastoreItem>
-</file>
-
-<file path=customXml/itemProps93.xml><?xml version="1.0" encoding="utf-8"?>
-<ds:datastoreItem xmlns:ds="http://schemas.openxmlformats.org/officeDocument/2006/customXml" ds:itemID="{5E0A4EC4-E13A-4234-884D-D2A388005301}">
-  <ds:schemaRefs/>
-</ds:datastoreItem>
-</file>
-
-<file path=customXml/itemProps94.xml><?xml version="1.0" encoding="utf-8"?>
-<ds:datastoreItem xmlns:ds="http://schemas.openxmlformats.org/officeDocument/2006/customXml" ds:itemID="{822D38AD-8010-4CD3-BD6B-117CB8DF70A4}">
-  <ds:schemaRefs/>
-</ds:datastoreItem>
-</file>
-
-<file path=customXml/itemProps95.xml><?xml version="1.0" encoding="utf-8"?>
-<ds:datastoreItem xmlns:ds="http://schemas.openxmlformats.org/officeDocument/2006/customXml" ds:itemID="{40E719A3-ADA7-4E20-A1A7-7B3573F21752}">
-  <ds:schemaRefs/>
-</ds:datastoreItem>
-</file>
-
-<file path=customXml/itemProps96.xml><?xml version="1.0" encoding="utf-8"?>
-<ds:datastoreItem xmlns:ds="http://schemas.openxmlformats.org/officeDocument/2006/customXml" ds:itemID="{31C51BA7-6C05-4277-9955-252827CBFF7D}">
-  <ds:schemaRefs/>
-</ds:datastoreItem>
-</file>
-
-<file path=customXml/itemProps97.xml><?xml version="1.0" encoding="utf-8"?>
-<ds:datastoreItem xmlns:ds="http://schemas.openxmlformats.org/officeDocument/2006/customXml" ds:itemID="{32BA7684-6BE4-4F73-B22E-30934AB379B8}">
-  <ds:schemaRefs/>
-</ds:datastoreItem>
-</file>
-
-<file path=customXml/itemProps98.xml><?xml version="1.0" encoding="utf-8"?>
-<ds:datastoreItem xmlns:ds="http://schemas.openxmlformats.org/officeDocument/2006/customXml" ds:itemID="{B25CC7AE-AE5C-4B2B-A221-83C67230743C}">
-  <ds:schemaRefs/>
-</ds:datastoreItem>
-</file>
-
 <file path=customXml/itemProps99.xml><?xml version="1.0" encoding="utf-8"?>
-<ds:datastoreItem xmlns:ds="http://schemas.openxmlformats.org/officeDocument/2006/customXml" ds:itemID="{6670EA98-0313-49BA-9D9D-622436EA24FA}">
+<ds:datastoreItem xmlns:ds="http://schemas.openxmlformats.org/officeDocument/2006/customXml" ds:itemID="{D55CA5CC-D938-4611-8359-380843584576}">
   <ds:schemaRefs/>
 </ds:datastoreItem>
 </file>